--- a/week06/day05/demo/ppt-w06.pptx
+++ b/week06/day05/demo/ppt-w06.pptx
@@ -4,12 +4,17 @@
   <p:sldMasterIdLst>
     <p:sldMasterId id="2147483672" r:id="rId1"/>
   </p:sldMasterIdLst>
+  <p:notesMasterIdLst>
+    <p:notesMasterId r:id="rId9"/>
+  </p:notesMasterIdLst>
   <p:sldIdLst>
     <p:sldId id="256" r:id="rId2"/>
-    <p:sldId id="257" r:id="rId3"/>
-    <p:sldId id="258" r:id="rId4"/>
-    <p:sldId id="259" r:id="rId5"/>
-    <p:sldId id="260" r:id="rId6"/>
+    <p:sldId id="263" r:id="rId3"/>
+    <p:sldId id="259" r:id="rId4"/>
+    <p:sldId id="261" r:id="rId5"/>
+    <p:sldId id="262" r:id="rId6"/>
+    <p:sldId id="264" r:id="rId7"/>
+    <p:sldId id="260" r:id="rId8"/>
   </p:sldIdLst>
   <p:sldSz cx="9144000" cy="6858000" type="screen4x3"/>
   <p:notesSz cx="6858000" cy="9144000"/>
@@ -108,7 +113,366 @@
       </a:defRPr>
     </a:lvl9pPr>
   </p:defaultTextStyle>
+  <p:extLst>
+    <p:ext uri="{EFAFB233-063F-42B5-8137-9DF3F51BA10A}">
+      <p15:sldGuideLst xmlns:p15="http://schemas.microsoft.com/office/powerpoint/2012/main"/>
+    </p:ext>
+  </p:extLst>
 </p:presentation>
+</file>
+
+<file path=ppt/revisionInfo.xml><?xml version="1.0" encoding="utf-8"?>
+<p1510:revInfo xmlns:a="http://schemas.openxmlformats.org/drawingml/2006/main" xmlns:r="http://schemas.openxmlformats.org/officeDocument/2006/relationships" xmlns:p1510="http://schemas.microsoft.com/office/powerpoint/2015/10/main"/>
+</file>
+
+<file path=ppt/notesMasters/notesMaster1.xml><?xml version="1.0" encoding="utf-8"?>
+<p:notesMaster xmlns:a="http://schemas.openxmlformats.org/drawingml/2006/main" xmlns:r="http://schemas.openxmlformats.org/officeDocument/2006/relationships" xmlns:p="http://schemas.openxmlformats.org/presentationml/2006/main">
+  <p:cSld>
+    <p:bg>
+      <p:bgRef idx="1001">
+        <a:schemeClr val="bg1"/>
+      </p:bgRef>
+    </p:bg>
+    <p:spTree>
+      <p:nvGrpSpPr>
+        <p:cNvPr id="1" name=""/>
+        <p:cNvGrpSpPr/>
+        <p:nvPr/>
+      </p:nvGrpSpPr>
+      <p:grpSpPr>
+        <a:xfrm>
+          <a:off x="0" y="0"/>
+          <a:ext cx="0" cy="0"/>
+          <a:chOff x="0" y="0"/>
+          <a:chExt cx="0" cy="0"/>
+        </a:xfrm>
+      </p:grpSpPr>
+      <p:sp>
+        <p:nvSpPr>
+          <p:cNvPr id="2" name="Élőfej helye 1"/>
+          <p:cNvSpPr>
+            <a:spLocks noGrp="1"/>
+          </p:cNvSpPr>
+          <p:nvPr>
+            <p:ph type="hdr" sz="quarter"/>
+          </p:nvPr>
+        </p:nvSpPr>
+        <p:spPr>
+          <a:xfrm>
+            <a:off x="0" y="0"/>
+            <a:ext cx="2971800" cy="458788"/>
+          </a:xfrm>
+          <a:prstGeom prst="rect">
+            <a:avLst/>
+          </a:prstGeom>
+        </p:spPr>
+        <p:txBody>
+          <a:bodyPr vert="horz" lIns="91440" tIns="45720" rIns="91440" bIns="45720" rtlCol="0"/>
+          <a:lstStyle>
+            <a:lvl1pPr algn="l">
+              <a:defRPr sz="1200"/>
+            </a:lvl1pPr>
+          </a:lstStyle>
+          <a:p>
+            <a:endParaRPr lang="en-GB" dirty="0"/>
+          </a:p>
+        </p:txBody>
+      </p:sp>
+      <p:sp>
+        <p:nvSpPr>
+          <p:cNvPr id="3" name="Dátum helye 2"/>
+          <p:cNvSpPr>
+            <a:spLocks noGrp="1"/>
+          </p:cNvSpPr>
+          <p:nvPr>
+            <p:ph type="dt" idx="1"/>
+          </p:nvPr>
+        </p:nvSpPr>
+        <p:spPr>
+          <a:xfrm>
+            <a:off x="3884613" y="0"/>
+            <a:ext cx="2971800" cy="458788"/>
+          </a:xfrm>
+          <a:prstGeom prst="rect">
+            <a:avLst/>
+          </a:prstGeom>
+        </p:spPr>
+        <p:txBody>
+          <a:bodyPr vert="horz" lIns="91440" tIns="45720" rIns="91440" bIns="45720" rtlCol="0"/>
+          <a:lstStyle>
+            <a:lvl1pPr algn="r">
+              <a:defRPr sz="1200"/>
+            </a:lvl1pPr>
+          </a:lstStyle>
+          <a:p>
+            <a:fld id="{8BF7DB6B-E7D0-41EA-9CFF-C4127164BFA4}" type="datetimeFigureOut">
+              <a:rPr lang="en-GB" smtClean="0"/>
+              <a:t>20/10/2017</a:t>
+            </a:fld>
+            <a:endParaRPr lang="en-GB" dirty="0"/>
+          </a:p>
+        </p:txBody>
+      </p:sp>
+      <p:sp>
+        <p:nvSpPr>
+          <p:cNvPr id="4" name="Diakép helye 3"/>
+          <p:cNvSpPr>
+            <a:spLocks noGrp="1" noRot="1" noChangeAspect="1"/>
+          </p:cNvSpPr>
+          <p:nvPr>
+            <p:ph type="sldImg" idx="2"/>
+          </p:nvPr>
+        </p:nvSpPr>
+        <p:spPr>
+          <a:xfrm>
+            <a:off x="1371600" y="1143000"/>
+            <a:ext cx="4114800" cy="3086100"/>
+          </a:xfrm>
+          <a:prstGeom prst="rect">
+            <a:avLst/>
+          </a:prstGeom>
+          <a:noFill/>
+          <a:ln w="12700">
+            <a:solidFill>
+              <a:prstClr val="black"/>
+            </a:solidFill>
+          </a:ln>
+        </p:spPr>
+        <p:txBody>
+          <a:bodyPr vert="horz" lIns="91440" tIns="45720" rIns="91440" bIns="45720" rtlCol="0" anchor="ctr"/>
+          <a:lstStyle/>
+          <a:p>
+            <a:endParaRPr lang="en-GB" dirty="0"/>
+          </a:p>
+        </p:txBody>
+      </p:sp>
+      <p:sp>
+        <p:nvSpPr>
+          <p:cNvPr id="5" name="Jegyzetek helye 4"/>
+          <p:cNvSpPr>
+            <a:spLocks noGrp="1"/>
+          </p:cNvSpPr>
+          <p:nvPr>
+            <p:ph type="body" sz="quarter" idx="3"/>
+          </p:nvPr>
+        </p:nvSpPr>
+        <p:spPr>
+          <a:xfrm>
+            <a:off x="685800" y="4400550"/>
+            <a:ext cx="5486400" cy="3600450"/>
+          </a:xfrm>
+          <a:prstGeom prst="rect">
+            <a:avLst/>
+          </a:prstGeom>
+        </p:spPr>
+        <p:txBody>
+          <a:bodyPr vert="horz" lIns="91440" tIns="45720" rIns="91440" bIns="45720" rtlCol="0"/>
+          <a:lstStyle/>
+          <a:p>
+            <a:pPr lvl="0"/>
+            <a:r>
+              <a:rPr lang="hu-HU"/>
+              <a:t>Mintaszöveg szerkesztése</a:t>
+            </a:r>
+          </a:p>
+          <a:p>
+            <a:pPr lvl="1"/>
+            <a:r>
+              <a:rPr lang="hu-HU"/>
+              <a:t>Második szint</a:t>
+            </a:r>
+          </a:p>
+          <a:p>
+            <a:pPr lvl="2"/>
+            <a:r>
+              <a:rPr lang="hu-HU"/>
+              <a:t>Harmadik szint</a:t>
+            </a:r>
+          </a:p>
+          <a:p>
+            <a:pPr lvl="3"/>
+            <a:r>
+              <a:rPr lang="hu-HU"/>
+              <a:t>Negyedik szint</a:t>
+            </a:r>
+          </a:p>
+          <a:p>
+            <a:pPr lvl="4"/>
+            <a:r>
+              <a:rPr lang="hu-HU"/>
+              <a:t>Ötödik szint</a:t>
+            </a:r>
+            <a:endParaRPr lang="en-GB"/>
+          </a:p>
+        </p:txBody>
+      </p:sp>
+      <p:sp>
+        <p:nvSpPr>
+          <p:cNvPr id="6" name="Élőláb helye 5"/>
+          <p:cNvSpPr>
+            <a:spLocks noGrp="1"/>
+          </p:cNvSpPr>
+          <p:nvPr>
+            <p:ph type="ftr" sz="quarter" idx="4"/>
+          </p:nvPr>
+        </p:nvSpPr>
+        <p:spPr>
+          <a:xfrm>
+            <a:off x="0" y="8685213"/>
+            <a:ext cx="2971800" cy="458787"/>
+          </a:xfrm>
+          <a:prstGeom prst="rect">
+            <a:avLst/>
+          </a:prstGeom>
+        </p:spPr>
+        <p:txBody>
+          <a:bodyPr vert="horz" lIns="91440" tIns="45720" rIns="91440" bIns="45720" rtlCol="0" anchor="b"/>
+          <a:lstStyle>
+            <a:lvl1pPr algn="l">
+              <a:defRPr sz="1200"/>
+            </a:lvl1pPr>
+          </a:lstStyle>
+          <a:p>
+            <a:endParaRPr lang="en-GB" dirty="0"/>
+          </a:p>
+        </p:txBody>
+      </p:sp>
+      <p:sp>
+        <p:nvSpPr>
+          <p:cNvPr id="7" name="Dia számának helye 6"/>
+          <p:cNvSpPr>
+            <a:spLocks noGrp="1"/>
+          </p:cNvSpPr>
+          <p:nvPr>
+            <p:ph type="sldNum" sz="quarter" idx="5"/>
+          </p:nvPr>
+        </p:nvSpPr>
+        <p:spPr>
+          <a:xfrm>
+            <a:off x="3884613" y="8685213"/>
+            <a:ext cx="2971800" cy="458787"/>
+          </a:xfrm>
+          <a:prstGeom prst="rect">
+            <a:avLst/>
+          </a:prstGeom>
+        </p:spPr>
+        <p:txBody>
+          <a:bodyPr vert="horz" lIns="91440" tIns="45720" rIns="91440" bIns="45720" rtlCol="0" anchor="b"/>
+          <a:lstStyle>
+            <a:lvl1pPr algn="r">
+              <a:defRPr sz="1200"/>
+            </a:lvl1pPr>
+          </a:lstStyle>
+          <a:p>
+            <a:fld id="{5282EAC4-D8D2-4E2C-8B47-8C55CCB35422}" type="slidenum">
+              <a:rPr lang="en-GB" smtClean="0"/>
+              <a:t>‹#›</a:t>
+            </a:fld>
+            <a:endParaRPr lang="en-GB" dirty="0"/>
+          </a:p>
+        </p:txBody>
+      </p:sp>
+    </p:spTree>
+    <p:extLst>
+      <p:ext uri="{BB962C8B-B14F-4D97-AF65-F5344CB8AC3E}">
+        <p14:creationId xmlns:p14="http://schemas.microsoft.com/office/powerpoint/2010/main" val="3873225809"/>
+      </p:ext>
+    </p:extLst>
+  </p:cSld>
+  <p:clrMap bg1="lt1" tx1="dk1" bg2="lt2" tx2="dk2" accent1="accent1" accent2="accent2" accent3="accent3" accent4="accent4" accent5="accent5" accent6="accent6" hlink="hlink" folHlink="folHlink"/>
+  <p:notesStyle>
+    <a:lvl1pPr marL="0" algn="l" defTabSz="914400" rtl="0" eaLnBrk="1" latinLnBrk="0" hangingPunct="1">
+      <a:defRPr sz="1200" kern="1200">
+        <a:solidFill>
+          <a:schemeClr val="tx1"/>
+        </a:solidFill>
+        <a:latin typeface="+mn-lt"/>
+        <a:ea typeface="+mn-ea"/>
+        <a:cs typeface="+mn-cs"/>
+      </a:defRPr>
+    </a:lvl1pPr>
+    <a:lvl2pPr marL="457200" algn="l" defTabSz="914400" rtl="0" eaLnBrk="1" latinLnBrk="0" hangingPunct="1">
+      <a:defRPr sz="1200" kern="1200">
+        <a:solidFill>
+          <a:schemeClr val="tx1"/>
+        </a:solidFill>
+        <a:latin typeface="+mn-lt"/>
+        <a:ea typeface="+mn-ea"/>
+        <a:cs typeface="+mn-cs"/>
+      </a:defRPr>
+    </a:lvl2pPr>
+    <a:lvl3pPr marL="914400" algn="l" defTabSz="914400" rtl="0" eaLnBrk="1" latinLnBrk="0" hangingPunct="1">
+      <a:defRPr sz="1200" kern="1200">
+        <a:solidFill>
+          <a:schemeClr val="tx1"/>
+        </a:solidFill>
+        <a:latin typeface="+mn-lt"/>
+        <a:ea typeface="+mn-ea"/>
+        <a:cs typeface="+mn-cs"/>
+      </a:defRPr>
+    </a:lvl3pPr>
+    <a:lvl4pPr marL="1371600" algn="l" defTabSz="914400" rtl="0" eaLnBrk="1" latinLnBrk="0" hangingPunct="1">
+      <a:defRPr sz="1200" kern="1200">
+        <a:solidFill>
+          <a:schemeClr val="tx1"/>
+        </a:solidFill>
+        <a:latin typeface="+mn-lt"/>
+        <a:ea typeface="+mn-ea"/>
+        <a:cs typeface="+mn-cs"/>
+      </a:defRPr>
+    </a:lvl4pPr>
+    <a:lvl5pPr marL="1828800" algn="l" defTabSz="914400" rtl="0" eaLnBrk="1" latinLnBrk="0" hangingPunct="1">
+      <a:defRPr sz="1200" kern="1200">
+        <a:solidFill>
+          <a:schemeClr val="tx1"/>
+        </a:solidFill>
+        <a:latin typeface="+mn-lt"/>
+        <a:ea typeface="+mn-ea"/>
+        <a:cs typeface="+mn-cs"/>
+      </a:defRPr>
+    </a:lvl5pPr>
+    <a:lvl6pPr marL="2286000" algn="l" defTabSz="914400" rtl="0" eaLnBrk="1" latinLnBrk="0" hangingPunct="1">
+      <a:defRPr sz="1200" kern="1200">
+        <a:solidFill>
+          <a:schemeClr val="tx1"/>
+        </a:solidFill>
+        <a:latin typeface="+mn-lt"/>
+        <a:ea typeface="+mn-ea"/>
+        <a:cs typeface="+mn-cs"/>
+      </a:defRPr>
+    </a:lvl6pPr>
+    <a:lvl7pPr marL="2743200" algn="l" defTabSz="914400" rtl="0" eaLnBrk="1" latinLnBrk="0" hangingPunct="1">
+      <a:defRPr sz="1200" kern="1200">
+        <a:solidFill>
+          <a:schemeClr val="tx1"/>
+        </a:solidFill>
+        <a:latin typeface="+mn-lt"/>
+        <a:ea typeface="+mn-ea"/>
+        <a:cs typeface="+mn-cs"/>
+      </a:defRPr>
+    </a:lvl7pPr>
+    <a:lvl8pPr marL="3200400" algn="l" defTabSz="914400" rtl="0" eaLnBrk="1" latinLnBrk="0" hangingPunct="1">
+      <a:defRPr sz="1200" kern="1200">
+        <a:solidFill>
+          <a:schemeClr val="tx1"/>
+        </a:solidFill>
+        <a:latin typeface="+mn-lt"/>
+        <a:ea typeface="+mn-ea"/>
+        <a:cs typeface="+mn-cs"/>
+      </a:defRPr>
+    </a:lvl8pPr>
+    <a:lvl9pPr marL="3657600" algn="l" defTabSz="914400" rtl="0" eaLnBrk="1" latinLnBrk="0" hangingPunct="1">
+      <a:defRPr sz="1200" kern="1200">
+        <a:solidFill>
+          <a:schemeClr val="tx1"/>
+        </a:solidFill>
+        <a:latin typeface="+mn-lt"/>
+        <a:ea typeface="+mn-ea"/>
+        <a:cs typeface="+mn-cs"/>
+      </a:defRPr>
+    </a:lvl9pPr>
+  </p:notesStyle>
+</p:notesMaster>
 </file>
 
 <file path=ppt/slideLayouts/slideLayout1.xml><?xml version="1.0" encoding="utf-8"?>
@@ -335,11 +699,11 @@
           <a:bodyPr/>
           <a:lstStyle/>
           <a:p>
-            <a:fld id="{7226B41E-7AE0-48E8-8ECF-9284EB044509}" type="datetimeFigureOut">
-              <a:rPr lang="en-GB" smtClean="0"/>
+            <a:r>
+              <a:rPr lang="en-US" dirty="0"/>
               <a:t>20/10/2017</a:t>
-            </a:fld>
-            <a:endParaRPr lang="en-GB"/>
+            </a:r>
+            <a:endParaRPr lang="en-GB" dirty="0"/>
           </a:p>
         </p:txBody>
       </p:sp>
@@ -358,7 +722,10 @@
           <a:bodyPr/>
           <a:lstStyle/>
           <a:p>
-            <a:endParaRPr lang="en-GB"/>
+            <a:r>
+              <a:rPr lang="en-GB" dirty="0"/>
+              <a:t>Boldizsár Kiss</a:t>
+            </a:r>
           </a:p>
         </p:txBody>
       </p:sp>
@@ -381,7 +748,7 @@
               <a:rPr lang="en-GB" smtClean="0"/>
               <a:t>‹#›</a:t>
             </a:fld>
-            <a:endParaRPr lang="en-GB"/>
+            <a:endParaRPr lang="en-GB" dirty="0"/>
           </a:p>
         </p:txBody>
       </p:sp>
@@ -543,11 +910,11 @@
           <a:bodyPr/>
           <a:lstStyle/>
           <a:p>
-            <a:fld id="{7226B41E-7AE0-48E8-8ECF-9284EB044509}" type="datetimeFigureOut">
-              <a:rPr lang="en-GB" smtClean="0"/>
+            <a:r>
+              <a:rPr lang="en-US" dirty="0"/>
               <a:t>20/10/2017</a:t>
-            </a:fld>
-            <a:endParaRPr lang="en-GB"/>
+            </a:r>
+            <a:endParaRPr lang="en-GB" dirty="0"/>
           </a:p>
         </p:txBody>
       </p:sp>
@@ -566,7 +933,10 @@
           <a:bodyPr/>
           <a:lstStyle/>
           <a:p>
-            <a:endParaRPr lang="en-GB"/>
+            <a:r>
+              <a:rPr lang="en-GB" dirty="0"/>
+              <a:t>Boldizsár Kiss</a:t>
+            </a:r>
           </a:p>
         </p:txBody>
       </p:sp>
@@ -589,7 +959,7 @@
               <a:rPr lang="en-GB" smtClean="0"/>
               <a:t>‹#›</a:t>
             </a:fld>
-            <a:endParaRPr lang="en-GB"/>
+            <a:endParaRPr lang="en-GB" dirty="0"/>
           </a:p>
         </p:txBody>
       </p:sp>
@@ -799,11 +1169,11 @@
           <a:bodyPr/>
           <a:lstStyle/>
           <a:p>
-            <a:fld id="{7226B41E-7AE0-48E8-8ECF-9284EB044509}" type="datetimeFigureOut">
-              <a:rPr lang="en-GB" smtClean="0"/>
+            <a:r>
+              <a:rPr lang="en-US" dirty="0"/>
               <a:t>20/10/2017</a:t>
-            </a:fld>
-            <a:endParaRPr lang="en-GB"/>
+            </a:r>
+            <a:endParaRPr lang="en-GB" dirty="0"/>
           </a:p>
         </p:txBody>
       </p:sp>
@@ -822,7 +1192,10 @@
           <a:bodyPr/>
           <a:lstStyle/>
           <a:p>
-            <a:endParaRPr lang="en-GB"/>
+            <a:r>
+              <a:rPr lang="en-GB" dirty="0"/>
+              <a:t>Boldizsár Kiss</a:t>
+            </a:r>
           </a:p>
         </p:txBody>
       </p:sp>
@@ -845,7 +1218,7 @@
               <a:rPr lang="en-GB" smtClean="0"/>
               <a:t>‹#›</a:t>
             </a:fld>
-            <a:endParaRPr lang="en-GB"/>
+            <a:endParaRPr lang="en-GB" dirty="0"/>
           </a:p>
         </p:txBody>
       </p:sp>
@@ -969,11 +1342,11 @@
           <a:bodyPr/>
           <a:lstStyle/>
           <a:p>
-            <a:fld id="{7226B41E-7AE0-48E8-8ECF-9284EB044509}" type="datetimeFigureOut">
-              <a:rPr lang="en-GB" smtClean="0"/>
+            <a:r>
+              <a:rPr lang="en-US" dirty="0"/>
               <a:t>20/10/2017</a:t>
-            </a:fld>
-            <a:endParaRPr lang="en-GB"/>
+            </a:r>
+            <a:endParaRPr lang="en-GB" dirty="0"/>
           </a:p>
         </p:txBody>
       </p:sp>
@@ -992,7 +1365,10 @@
           <a:bodyPr/>
           <a:lstStyle/>
           <a:p>
-            <a:endParaRPr lang="en-GB"/>
+            <a:r>
+              <a:rPr lang="en-GB" dirty="0"/>
+              <a:t>Boldizsár Kiss</a:t>
+            </a:r>
           </a:p>
         </p:txBody>
       </p:sp>
@@ -1015,7 +1391,7 @@
               <a:rPr lang="en-GB" smtClean="0"/>
               <a:t>‹#›</a:t>
             </a:fld>
-            <a:endParaRPr lang="en-GB"/>
+            <a:endParaRPr lang="en-GB" dirty="0"/>
           </a:p>
         </p:txBody>
       </p:sp>
@@ -1312,11 +1688,11 @@
           <a:bodyPr/>
           <a:lstStyle/>
           <a:p>
-            <a:fld id="{7226B41E-7AE0-48E8-8ECF-9284EB044509}" type="datetimeFigureOut">
-              <a:rPr lang="en-GB" smtClean="0"/>
+            <a:r>
+              <a:rPr lang="en-US" dirty="0"/>
               <a:t>20/10/2017</a:t>
-            </a:fld>
-            <a:endParaRPr lang="en-GB"/>
+            </a:r>
+            <a:endParaRPr lang="en-GB" dirty="0"/>
           </a:p>
         </p:txBody>
       </p:sp>
@@ -1335,7 +1711,10 @@
           <a:bodyPr/>
           <a:lstStyle/>
           <a:p>
-            <a:endParaRPr lang="en-GB"/>
+            <a:r>
+              <a:rPr lang="en-GB" dirty="0"/>
+              <a:t>Boldizsár Kiss</a:t>
+            </a:r>
           </a:p>
         </p:txBody>
       </p:sp>
@@ -1358,7 +1737,7 @@
               <a:rPr lang="en-GB" smtClean="0"/>
               <a:t>‹#›</a:t>
             </a:fld>
-            <a:endParaRPr lang="en-GB"/>
+            <a:endParaRPr lang="en-GB" dirty="0"/>
           </a:p>
         </p:txBody>
       </p:sp>
@@ -1587,11 +1966,11 @@
           <a:bodyPr/>
           <a:lstStyle/>
           <a:p>
-            <a:fld id="{7226B41E-7AE0-48E8-8ECF-9284EB044509}" type="datetimeFigureOut">
-              <a:rPr lang="en-GB" smtClean="0"/>
+            <a:r>
+              <a:rPr lang="en-US" dirty="0"/>
               <a:t>20/10/2017</a:t>
-            </a:fld>
-            <a:endParaRPr lang="en-GB"/>
+            </a:r>
+            <a:endParaRPr lang="en-GB" dirty="0"/>
           </a:p>
         </p:txBody>
       </p:sp>
@@ -1610,7 +1989,10 @@
           <a:bodyPr/>
           <a:lstStyle/>
           <a:p>
-            <a:endParaRPr lang="en-GB"/>
+            <a:r>
+              <a:rPr lang="en-GB" dirty="0"/>
+              <a:t>Boldizsár Kiss</a:t>
+            </a:r>
           </a:p>
         </p:txBody>
       </p:sp>
@@ -1633,7 +2015,7 @@
               <a:rPr lang="en-GB" smtClean="0"/>
               <a:t>‹#›</a:t>
             </a:fld>
-            <a:endParaRPr lang="en-GB"/>
+            <a:endParaRPr lang="en-GB" dirty="0"/>
           </a:p>
         </p:txBody>
       </p:sp>
@@ -1966,11 +2348,11 @@
           <a:bodyPr/>
           <a:lstStyle/>
           <a:p>
-            <a:fld id="{7226B41E-7AE0-48E8-8ECF-9284EB044509}" type="datetimeFigureOut">
-              <a:rPr lang="en-GB" smtClean="0"/>
+            <a:r>
+              <a:rPr lang="en-US" dirty="0"/>
               <a:t>20/10/2017</a:t>
-            </a:fld>
-            <a:endParaRPr lang="en-GB"/>
+            </a:r>
+            <a:endParaRPr lang="en-GB" dirty="0"/>
           </a:p>
         </p:txBody>
       </p:sp>
@@ -1989,7 +2371,10 @@
           <a:bodyPr/>
           <a:lstStyle/>
           <a:p>
-            <a:endParaRPr lang="en-GB"/>
+            <a:r>
+              <a:rPr lang="en-GB" dirty="0"/>
+              <a:t>Boldizsár Kiss</a:t>
+            </a:r>
           </a:p>
         </p:txBody>
       </p:sp>
@@ -2012,7 +2397,7 @@
               <a:rPr lang="en-GB" smtClean="0"/>
               <a:t>‹#›</a:t>
             </a:fld>
-            <a:endParaRPr lang="en-GB"/>
+            <a:endParaRPr lang="en-GB" dirty="0"/>
           </a:p>
         </p:txBody>
       </p:sp>
@@ -2084,11 +2469,11 @@
           <a:bodyPr/>
           <a:lstStyle/>
           <a:p>
-            <a:fld id="{7226B41E-7AE0-48E8-8ECF-9284EB044509}" type="datetimeFigureOut">
-              <a:rPr lang="en-GB" smtClean="0"/>
+            <a:r>
+              <a:rPr lang="en-US" dirty="0"/>
               <a:t>20/10/2017</a:t>
-            </a:fld>
-            <a:endParaRPr lang="en-GB"/>
+            </a:r>
+            <a:endParaRPr lang="en-GB" dirty="0"/>
           </a:p>
         </p:txBody>
       </p:sp>
@@ -2107,7 +2492,10 @@
           <a:bodyPr/>
           <a:lstStyle/>
           <a:p>
-            <a:endParaRPr lang="en-GB"/>
+            <a:r>
+              <a:rPr lang="en-GB" dirty="0"/>
+              <a:t>Boldizsár Kiss</a:t>
+            </a:r>
           </a:p>
         </p:txBody>
       </p:sp>
@@ -2130,7 +2518,7 @@
               <a:rPr lang="en-GB" smtClean="0"/>
               <a:t>‹#›</a:t>
             </a:fld>
-            <a:endParaRPr lang="en-GB"/>
+            <a:endParaRPr lang="en-GB" dirty="0"/>
           </a:p>
         </p:txBody>
       </p:sp>
@@ -2255,11 +2643,11 @@
           <a:bodyPr/>
           <a:lstStyle/>
           <a:p>
-            <a:fld id="{7226B41E-7AE0-48E8-8ECF-9284EB044509}" type="datetimeFigureOut">
-              <a:rPr lang="en-GB" smtClean="0"/>
+            <a:r>
+              <a:rPr lang="en-US" dirty="0"/>
               <a:t>20/10/2017</a:t>
-            </a:fld>
-            <a:endParaRPr lang="en-GB"/>
+            </a:r>
+            <a:endParaRPr lang="en-GB" dirty="0"/>
           </a:p>
         </p:txBody>
       </p:sp>
@@ -2286,7 +2674,10 @@
             </a:lvl1pPr>
           </a:lstStyle>
           <a:p>
-            <a:endParaRPr lang="en-GB"/>
+            <a:r>
+              <a:rPr lang="en-GB" dirty="0"/>
+              <a:t>Boldizsár Kiss</a:t>
+            </a:r>
           </a:p>
         </p:txBody>
       </p:sp>
@@ -2309,7 +2700,7 @@
               <a:rPr lang="en-GB" smtClean="0"/>
               <a:t>‹#›</a:t>
             </a:fld>
-            <a:endParaRPr lang="en-GB"/>
+            <a:endParaRPr lang="en-GB" dirty="0"/>
           </a:p>
         </p:txBody>
       </p:sp>
@@ -2609,11 +3000,11 @@
             </a:lvl1pPr>
           </a:lstStyle>
           <a:p>
-            <a:fld id="{7226B41E-7AE0-48E8-8ECF-9284EB044509}" type="datetimeFigureOut">
-              <a:rPr lang="en-GB" smtClean="0"/>
+            <a:r>
+              <a:rPr lang="en-US" dirty="0"/>
               <a:t>20/10/2017</a:t>
-            </a:fld>
-            <a:endParaRPr lang="en-GB"/>
+            </a:r>
+            <a:endParaRPr lang="en-GB" dirty="0"/>
           </a:p>
         </p:txBody>
       </p:sp>
@@ -2645,7 +3036,10 @@
             </a:lvl1pPr>
           </a:lstStyle>
           <a:p>
-            <a:endParaRPr lang="en-GB"/>
+            <a:r>
+              <a:rPr lang="en-GB" dirty="0"/>
+              <a:t>Boldizsár Kiss</a:t>
+            </a:r>
           </a:p>
         </p:txBody>
       </p:sp>
@@ -2676,7 +3070,7 @@
               <a:rPr lang="en-GB" smtClean="0"/>
               <a:t>‹#›</a:t>
             </a:fld>
-            <a:endParaRPr lang="en-GB"/>
+            <a:endParaRPr lang="en-GB" dirty="0"/>
           </a:p>
         </p:txBody>
       </p:sp>
@@ -2892,7 +3286,7 @@
           </a:lstStyle>
           <a:p>
             <a:r>
-              <a:rPr lang="hu-HU"/>
+              <a:rPr lang="hu-HU" dirty="0"/>
               <a:t>Kép beszúrásához kattintson az ikonra</a:t>
             </a:r>
             <a:endParaRPr lang="en-US" dirty="0"/>
@@ -2991,11 +3385,11 @@
           <a:bodyPr/>
           <a:lstStyle/>
           <a:p>
-            <a:fld id="{7226B41E-7AE0-48E8-8ECF-9284EB044509}" type="datetimeFigureOut">
-              <a:rPr lang="en-GB" smtClean="0"/>
+            <a:r>
+              <a:rPr lang="en-US" dirty="0"/>
               <a:t>20/10/2017</a:t>
-            </a:fld>
-            <a:endParaRPr lang="en-GB"/>
+            </a:r>
+            <a:endParaRPr lang="en-GB" dirty="0"/>
           </a:p>
         </p:txBody>
       </p:sp>
@@ -3014,7 +3408,10 @@
           <a:bodyPr/>
           <a:lstStyle/>
           <a:p>
-            <a:endParaRPr lang="en-GB"/>
+            <a:r>
+              <a:rPr lang="en-GB" dirty="0"/>
+              <a:t>Boldizsár Kiss</a:t>
+            </a:r>
           </a:p>
         </p:txBody>
       </p:sp>
@@ -3037,7 +3434,7 @@
               <a:rPr lang="en-GB" smtClean="0"/>
               <a:t>‹#›</a:t>
             </a:fld>
-            <a:endParaRPr lang="en-GB"/>
+            <a:endParaRPr lang="en-GB" dirty="0"/>
           </a:p>
         </p:txBody>
       </p:sp>
@@ -3278,11 +3675,11 @@
             </a:lvl1pPr>
           </a:lstStyle>
           <a:p>
-            <a:fld id="{7226B41E-7AE0-48E8-8ECF-9284EB044509}" type="datetimeFigureOut">
-              <a:rPr lang="en-GB" smtClean="0"/>
+            <a:r>
+              <a:rPr lang="en-US" dirty="0"/>
               <a:t>20/10/2017</a:t>
-            </a:fld>
-            <a:endParaRPr lang="en-GB"/>
+            </a:r>
+            <a:endParaRPr lang="en-GB" dirty="0"/>
           </a:p>
         </p:txBody>
       </p:sp>
@@ -3317,7 +3714,10 @@
             </a:lvl1pPr>
           </a:lstStyle>
           <a:p>
-            <a:endParaRPr lang="en-GB"/>
+            <a:r>
+              <a:rPr lang="en-GB" dirty="0"/>
+              <a:t>Boldizsár Kiss</a:t>
+            </a:r>
           </a:p>
         </p:txBody>
       </p:sp>
@@ -3356,7 +3756,7 @@
               <a:rPr lang="en-GB" smtClean="0"/>
               <a:t>‹#›</a:t>
             </a:fld>
-            <a:endParaRPr lang="en-GB"/>
+            <a:endParaRPr lang="en-GB" dirty="0"/>
           </a:p>
         </p:txBody>
       </p:sp>
@@ -3419,6 +3819,7 @@
     <p:sldLayoutId id="2147483682" r:id="rId10"/>
     <p:sldLayoutId id="2147483683" r:id="rId11"/>
   </p:sldLayoutIdLst>
+  <p:hf hdr="0"/>
   <p:txStyles>
     <p:titleStyle>
       <a:lvl1pPr algn="l" defTabSz="914400" rtl="0" eaLnBrk="1" latinLnBrk="0" hangingPunct="1">
@@ -3831,7 +4232,20 @@
                 <a:latin typeface="Helvetica" panose="020B0604020202020204" pitchFamily="34" charset="0"/>
                 <a:cs typeface="Helvetica" panose="020B0604020202020204" pitchFamily="34" charset="0"/>
               </a:rPr>
-              <a:t>Random title</a:t>
+              <a:t>Playing with</a:t>
+            </a:r>
+            <a:br>
+              <a:rPr lang="hu-HU" dirty="0">
+                <a:latin typeface="Helvetica" panose="020B0604020202020204" pitchFamily="34" charset="0"/>
+                <a:cs typeface="Helvetica" panose="020B0604020202020204" pitchFamily="34" charset="0"/>
+              </a:rPr>
+            </a:br>
+            <a:r>
+              <a:rPr lang="hu-HU" dirty="0">
+                <a:latin typeface="Helvetica" panose="020B0604020202020204" pitchFamily="34" charset="0"/>
+                <a:cs typeface="Helvetica" panose="020B0604020202020204" pitchFamily="34" charset="0"/>
+              </a:rPr>
+              <a:t>an AI</a:t>
             </a:r>
             <a:endParaRPr lang="en-GB" dirty="0">
               <a:latin typeface="Helvetica" panose="020B0604020202020204" pitchFamily="34" charset="0"/>
@@ -3886,6 +4300,92 @@
               <a:latin typeface="Helvetica" panose="020B0604020202020204" pitchFamily="34" charset="0"/>
               <a:cs typeface="Helvetica" panose="020B0604020202020204" pitchFamily="34" charset="0"/>
             </a:endParaRPr>
+          </a:p>
+        </p:txBody>
+      </p:sp>
+      <p:sp>
+        <p:nvSpPr>
+          <p:cNvPr id="4" name="Dátum helye 3">
+            <a:extLst>
+              <a:ext uri="{FF2B5EF4-FFF2-40B4-BE49-F238E27FC236}">
+                <a16:creationId xmlns:a16="http://schemas.microsoft.com/office/drawing/2014/main" id="{B61A71F9-CEE4-49A1-8A7B-5AB45E4A1F55}"/>
+              </a:ext>
+            </a:extLst>
+          </p:cNvPr>
+          <p:cNvSpPr>
+            <a:spLocks noGrp="1"/>
+          </p:cNvSpPr>
+          <p:nvPr>
+            <p:ph type="dt" sz="half" idx="10"/>
+          </p:nvPr>
+        </p:nvSpPr>
+        <p:spPr/>
+        <p:txBody>
+          <a:bodyPr/>
+          <a:lstStyle/>
+          <a:p>
+            <a:r>
+              <a:rPr lang="en-US" dirty="0"/>
+              <a:t>20/10/2017</a:t>
+            </a:r>
+            <a:endParaRPr lang="en-GB" dirty="0"/>
+          </a:p>
+        </p:txBody>
+      </p:sp>
+      <p:sp>
+        <p:nvSpPr>
+          <p:cNvPr id="5" name="Élőláb helye 4">
+            <a:extLst>
+              <a:ext uri="{FF2B5EF4-FFF2-40B4-BE49-F238E27FC236}">
+                <a16:creationId xmlns:a16="http://schemas.microsoft.com/office/drawing/2014/main" id="{6D97AF07-A7C4-4525-8922-43373135A660}"/>
+              </a:ext>
+            </a:extLst>
+          </p:cNvPr>
+          <p:cNvSpPr>
+            <a:spLocks noGrp="1"/>
+          </p:cNvSpPr>
+          <p:nvPr>
+            <p:ph type="ftr" sz="quarter" idx="11"/>
+          </p:nvPr>
+        </p:nvSpPr>
+        <p:spPr/>
+        <p:txBody>
+          <a:bodyPr/>
+          <a:lstStyle/>
+          <a:p>
+            <a:r>
+              <a:rPr lang="en-GB" dirty="0"/>
+              <a:t>Boldizsár Kiss</a:t>
+            </a:r>
+          </a:p>
+        </p:txBody>
+      </p:sp>
+      <p:sp>
+        <p:nvSpPr>
+          <p:cNvPr id="6" name="Dia számának helye 5">
+            <a:extLst>
+              <a:ext uri="{FF2B5EF4-FFF2-40B4-BE49-F238E27FC236}">
+                <a16:creationId xmlns:a16="http://schemas.microsoft.com/office/drawing/2014/main" id="{1AF73448-2738-46E6-B2A5-399920CF2368}"/>
+              </a:ext>
+            </a:extLst>
+          </p:cNvPr>
+          <p:cNvSpPr>
+            <a:spLocks noGrp="1"/>
+          </p:cNvSpPr>
+          <p:nvPr>
+            <p:ph type="sldNum" sz="quarter" idx="12"/>
+          </p:nvPr>
+        </p:nvSpPr>
+        <p:spPr/>
+        <p:txBody>
+          <a:bodyPr/>
+          <a:lstStyle/>
+          <a:p>
+            <a:fld id="{EF165F4B-DFD9-49AA-9815-E8F8D67A2CE8}" type="slidenum">
+              <a:rPr lang="en-GB" smtClean="0"/>
+              <a:t>1</a:t>
+            </a:fld>
+            <a:endParaRPr lang="en-GB" dirty="0"/>
           </a:p>
         </p:txBody>
       </p:sp>
@@ -3941,39 +4441,11 @@
           <a:lstStyle/>
           <a:p>
             <a:r>
-              <a:rPr lang="hu-HU" dirty="0" err="1">
-                <a:latin typeface="Helvetica" panose="020B0604020202020204" pitchFamily="34" charset="0"/>
-                <a:cs typeface="Helvetica" panose="020B0604020202020204" pitchFamily="34" charset="0"/>
-              </a:rPr>
-              <a:t>Abstract</a:t>
-            </a:r>
-            <a:r>
               <a:rPr lang="hu-HU" dirty="0">
                 <a:latin typeface="Helvetica" panose="020B0604020202020204" pitchFamily="34" charset="0"/>
                 <a:cs typeface="Helvetica" panose="020B0604020202020204" pitchFamily="34" charset="0"/>
               </a:rPr>
-              <a:t> </a:t>
-            </a:r>
-            <a:r>
-              <a:rPr lang="hu-HU" dirty="0" err="1">
-                <a:latin typeface="Helvetica" panose="020B0604020202020204" pitchFamily="34" charset="0"/>
-                <a:cs typeface="Helvetica" panose="020B0604020202020204" pitchFamily="34" charset="0"/>
-              </a:rPr>
-              <a:t>classes</a:t>
-            </a:r>
-            <a:r>
-              <a:rPr lang="hu-HU" dirty="0">
-                <a:latin typeface="Helvetica" panose="020B0604020202020204" pitchFamily="34" charset="0"/>
-                <a:cs typeface="Helvetica" panose="020B0604020202020204" pitchFamily="34" charset="0"/>
-              </a:rPr>
-              <a:t>, </a:t>
-            </a:r>
-            <a:r>
-              <a:rPr lang="hu-HU" dirty="0" err="1">
-                <a:latin typeface="Helvetica" panose="020B0604020202020204" pitchFamily="34" charset="0"/>
-                <a:cs typeface="Helvetica" panose="020B0604020202020204" pitchFamily="34" charset="0"/>
-              </a:rPr>
-              <a:t>interfaces</a:t>
+              <a:t>LINQ</a:t>
             </a:r>
             <a:endParaRPr lang="en-GB" dirty="0">
               <a:latin typeface="Helvetica" panose="020B0604020202020204" pitchFamily="34" charset="0"/>
@@ -3998,12 +4470,48 @@
             <p:ph idx="1"/>
           </p:nvPr>
         </p:nvSpPr>
-        <p:spPr/>
+        <p:spPr>
+          <a:xfrm>
+            <a:off x="822959" y="1845734"/>
+            <a:ext cx="7543801" cy="1957640"/>
+          </a:xfrm>
+        </p:spPr>
         <p:txBody>
           <a:bodyPr>
-            <a:normAutofit/>
+            <a:normAutofit fontScale="92500"/>
           </a:bodyPr>
           <a:lstStyle/>
+          <a:p>
+            <a:r>
+              <a:rPr lang="hu-HU" sz="3200" dirty="0">
+                <a:latin typeface="Helvetica" panose="020B0604020202020204" pitchFamily="34" charset="0"/>
+                <a:cs typeface="Helvetica" panose="020B0604020202020204" pitchFamily="34" charset="0"/>
+              </a:rPr>
+              <a:t>Makes simple, but annoyingly long methods or other things more simple-looking</a:t>
+            </a:r>
+            <a:br>
+              <a:rPr lang="hu-HU" sz="3200" dirty="0">
+                <a:latin typeface="Helvetica" panose="020B0604020202020204" pitchFamily="34" charset="0"/>
+                <a:cs typeface="Helvetica" panose="020B0604020202020204" pitchFamily="34" charset="0"/>
+              </a:rPr>
+            </a:br>
+            <a:r>
+              <a:rPr lang="hu-HU" sz="3200" dirty="0">
+                <a:latin typeface="Helvetica" panose="020B0604020202020204" pitchFamily="34" charset="0"/>
+                <a:cs typeface="Helvetica" panose="020B0604020202020204" pitchFamily="34" charset="0"/>
+              </a:rPr>
+              <a:t>(tl;dr huge refactoring)</a:t>
+            </a:r>
+          </a:p>
+          <a:p>
+            <a:r>
+              <a:rPr lang="hu-HU" sz="3200" dirty="0">
+                <a:latin typeface="Helvetica" panose="020B0604020202020204" pitchFamily="34" charset="0"/>
+                <a:cs typeface="Helvetica" panose="020B0604020202020204" pitchFamily="34" charset="0"/>
+              </a:rPr>
+              <a:t>New level of abstraction</a:t>
+            </a:r>
+          </a:p>
           <a:p>
             <a:endParaRPr lang="en-GB" sz="3200" dirty="0">
               <a:latin typeface="Helvetica" panose="020B0604020202020204" pitchFamily="34" charset="0"/>
@@ -4012,10 +4520,126 @@
           </a:p>
         </p:txBody>
       </p:sp>
+      <p:sp>
+        <p:nvSpPr>
+          <p:cNvPr id="4" name="Dátum helye 3">
+            <a:extLst>
+              <a:ext uri="{FF2B5EF4-FFF2-40B4-BE49-F238E27FC236}">
+                <a16:creationId xmlns:a16="http://schemas.microsoft.com/office/drawing/2014/main" id="{4FE18F2F-33B9-4EA5-A202-DD5C11353134}"/>
+              </a:ext>
+            </a:extLst>
+          </p:cNvPr>
+          <p:cNvSpPr>
+            <a:spLocks noGrp="1"/>
+          </p:cNvSpPr>
+          <p:nvPr>
+            <p:ph type="dt" sz="half" idx="10"/>
+          </p:nvPr>
+        </p:nvSpPr>
+        <p:spPr/>
+        <p:txBody>
+          <a:bodyPr/>
+          <a:lstStyle/>
+          <a:p>
+            <a:r>
+              <a:rPr lang="en-US" dirty="0"/>
+              <a:t>20/10/2017</a:t>
+            </a:r>
+            <a:endParaRPr lang="en-GB" dirty="0"/>
+          </a:p>
+        </p:txBody>
+      </p:sp>
+      <p:sp>
+        <p:nvSpPr>
+          <p:cNvPr id="5" name="Élőláb helye 4">
+            <a:extLst>
+              <a:ext uri="{FF2B5EF4-FFF2-40B4-BE49-F238E27FC236}">
+                <a16:creationId xmlns:a16="http://schemas.microsoft.com/office/drawing/2014/main" id="{E569538B-54A8-41BE-8886-7C43DE81A7A5}"/>
+              </a:ext>
+            </a:extLst>
+          </p:cNvPr>
+          <p:cNvSpPr>
+            <a:spLocks noGrp="1"/>
+          </p:cNvSpPr>
+          <p:nvPr>
+            <p:ph type="ftr" sz="quarter" idx="11"/>
+          </p:nvPr>
+        </p:nvSpPr>
+        <p:spPr/>
+        <p:txBody>
+          <a:bodyPr/>
+          <a:lstStyle/>
+          <a:p>
+            <a:r>
+              <a:rPr lang="en-GB" dirty="0"/>
+              <a:t>Boldizsár Kiss</a:t>
+            </a:r>
+          </a:p>
+        </p:txBody>
+      </p:sp>
+      <p:sp>
+        <p:nvSpPr>
+          <p:cNvPr id="6" name="Dia számának helye 5">
+            <a:extLst>
+              <a:ext uri="{FF2B5EF4-FFF2-40B4-BE49-F238E27FC236}">
+                <a16:creationId xmlns:a16="http://schemas.microsoft.com/office/drawing/2014/main" id="{A325EA5C-044C-440A-9A3A-F0649B0DDB50}"/>
+              </a:ext>
+            </a:extLst>
+          </p:cNvPr>
+          <p:cNvSpPr>
+            <a:spLocks noGrp="1"/>
+          </p:cNvSpPr>
+          <p:nvPr>
+            <p:ph type="sldNum" sz="quarter" idx="12"/>
+          </p:nvPr>
+        </p:nvSpPr>
+        <p:spPr/>
+        <p:txBody>
+          <a:bodyPr/>
+          <a:lstStyle/>
+          <a:p>
+            <a:fld id="{EF165F4B-DFD9-49AA-9815-E8F8D67A2CE8}" type="slidenum">
+              <a:rPr lang="en-GB" smtClean="0"/>
+              <a:t>2</a:t>
+            </a:fld>
+            <a:endParaRPr lang="en-GB" dirty="0"/>
+          </a:p>
+        </p:txBody>
+      </p:sp>
+      <p:pic>
+        <p:nvPicPr>
+          <p:cNvPr id="9" name="Kép 8">
+            <a:extLst>
+              <a:ext uri="{FF2B5EF4-FFF2-40B4-BE49-F238E27FC236}">
+                <a16:creationId xmlns:a16="http://schemas.microsoft.com/office/drawing/2014/main" id="{1173212E-CDE4-4DEA-BD5B-5FDD419C2F0C}"/>
+              </a:ext>
+            </a:extLst>
+          </p:cNvPr>
+          <p:cNvPicPr>
+            <a:picLocks noChangeAspect="1"/>
+          </p:cNvPicPr>
+          <p:nvPr/>
+        </p:nvPicPr>
+        <p:blipFill>
+          <a:blip r:embed="rId2"/>
+          <a:stretch>
+            <a:fillRect/>
+          </a:stretch>
+        </p:blipFill>
+        <p:spPr>
+          <a:xfrm>
+            <a:off x="778137" y="3909391"/>
+            <a:ext cx="7597039" cy="1757361"/>
+          </a:xfrm>
+          <a:prstGeom prst="rect">
+            <a:avLst/>
+          </a:prstGeom>
+        </p:spPr>
+      </p:pic>
     </p:spTree>
     <p:extLst>
       <p:ext uri="{BB962C8B-B14F-4D97-AF65-F5344CB8AC3E}">
-        <p14:creationId xmlns:p14="http://schemas.microsoft.com/office/powerpoint/2010/main" val="3172831622"/>
+        <p14:creationId xmlns:p14="http://schemas.microsoft.com/office/powerpoint/2010/main" val="3545556639"/>
       </p:ext>
     </p:extLst>
   </p:cSld>
@@ -4068,28 +4692,7 @@
                 <a:latin typeface="Helvetica" panose="020B0604020202020204" pitchFamily="34" charset="0"/>
                 <a:cs typeface="Helvetica" panose="020B0604020202020204" pitchFamily="34" charset="0"/>
               </a:rPr>
-              <a:t>LINQ? </a:t>
-            </a:r>
-            <a:r>
-              <a:rPr lang="hu-HU" dirty="0" err="1">
-                <a:latin typeface="Helvetica" panose="020B0604020202020204" pitchFamily="34" charset="0"/>
-                <a:cs typeface="Helvetica" panose="020B0604020202020204" pitchFamily="34" charset="0"/>
-              </a:rPr>
-              <a:t>Generic</a:t>
-            </a:r>
-            <a:r>
-              <a:rPr lang="hu-HU" dirty="0">
-                <a:latin typeface="Helvetica" panose="020B0604020202020204" pitchFamily="34" charset="0"/>
-                <a:cs typeface="Helvetica" panose="020B0604020202020204" pitchFamily="34" charset="0"/>
-              </a:rPr>
-              <a:t>, </a:t>
-            </a:r>
-            <a:r>
-              <a:rPr lang="hu-HU" dirty="0" err="1">
-                <a:latin typeface="Helvetica" panose="020B0604020202020204" pitchFamily="34" charset="0"/>
-                <a:cs typeface="Helvetica" panose="020B0604020202020204" pitchFamily="34" charset="0"/>
-              </a:rPr>
-              <a:t>Enum</a:t>
+              <a:t>Blackjack/Twenty and One</a:t>
             </a:r>
             <a:endParaRPr lang="en-GB" dirty="0">
               <a:latin typeface="Helvetica" panose="020B0604020202020204" pitchFamily="34" charset="0"/>
@@ -4121,6 +4724,39 @@
           </a:bodyPr>
           <a:lstStyle/>
           <a:p>
+            <a:r>
+              <a:rPr lang="hu-HU" sz="3200" dirty="0">
+                <a:latin typeface="Helvetica" panose="020B0604020202020204" pitchFamily="34" charset="0"/>
+                <a:cs typeface="Helvetica" panose="020B0604020202020204" pitchFamily="34" charset="0"/>
+              </a:rPr>
+              <a:t>Seems to be an easy game with easy rules</a:t>
+            </a:r>
+          </a:p>
+          <a:p>
+            <a:r>
+              <a:rPr lang="hu-HU" sz="3200" dirty="0">
+                <a:latin typeface="Helvetica" panose="020B0604020202020204" pitchFamily="34" charset="0"/>
+                <a:cs typeface="Helvetica" panose="020B0604020202020204" pitchFamily="34" charset="0"/>
+              </a:rPr>
+              <a:t>Failed to implement the exact rules again and again, because of some lack of information </a:t>
+            </a:r>
+            <a:r>
+              <a:rPr lang="en-GB" dirty="0"/>
+              <a:t>(╯°□°）╯︵ ┻━┻</a:t>
+            </a:r>
+            <a:endParaRPr lang="hu-HU" sz="3200" dirty="0">
+              <a:latin typeface="Helvetica" panose="020B0604020202020204" pitchFamily="34" charset="0"/>
+              <a:cs typeface="Helvetica" panose="020B0604020202020204" pitchFamily="34" charset="0"/>
+            </a:endParaRPr>
+          </a:p>
+          <a:p>
+            <a:r>
+              <a:rPr lang="hu-HU" sz="3200" dirty="0">
+                <a:latin typeface="Helvetica" panose="020B0604020202020204" pitchFamily="34" charset="0"/>
+                <a:cs typeface="Helvetica" panose="020B0604020202020204" pitchFamily="34" charset="0"/>
+              </a:rPr>
+              <a:t>Program seems to be almost OK now (Aces cannot have 1 value yet, and only one pulling method exists)</a:t>
+            </a:r>
             <a:endParaRPr lang="en-GB" sz="3200" dirty="0">
               <a:latin typeface="Helvetica" panose="020B0604020202020204" pitchFamily="34" charset="0"/>
               <a:cs typeface="Helvetica" panose="020B0604020202020204" pitchFamily="34" charset="0"/>
@@ -4128,10 +4764,96 @@
           </a:p>
         </p:txBody>
       </p:sp>
+      <p:sp>
+        <p:nvSpPr>
+          <p:cNvPr id="4" name="Dátum helye 3">
+            <a:extLst>
+              <a:ext uri="{FF2B5EF4-FFF2-40B4-BE49-F238E27FC236}">
+                <a16:creationId xmlns:a16="http://schemas.microsoft.com/office/drawing/2014/main" id="{4FE18F2F-33B9-4EA5-A202-DD5C11353134}"/>
+              </a:ext>
+            </a:extLst>
+          </p:cNvPr>
+          <p:cNvSpPr>
+            <a:spLocks noGrp="1"/>
+          </p:cNvSpPr>
+          <p:nvPr>
+            <p:ph type="dt" sz="half" idx="10"/>
+          </p:nvPr>
+        </p:nvSpPr>
+        <p:spPr/>
+        <p:txBody>
+          <a:bodyPr/>
+          <a:lstStyle/>
+          <a:p>
+            <a:r>
+              <a:rPr lang="en-US" dirty="0"/>
+              <a:t>20/10/2017</a:t>
+            </a:r>
+            <a:endParaRPr lang="en-GB" dirty="0"/>
+          </a:p>
+        </p:txBody>
+      </p:sp>
+      <p:sp>
+        <p:nvSpPr>
+          <p:cNvPr id="5" name="Élőláb helye 4">
+            <a:extLst>
+              <a:ext uri="{FF2B5EF4-FFF2-40B4-BE49-F238E27FC236}">
+                <a16:creationId xmlns:a16="http://schemas.microsoft.com/office/drawing/2014/main" id="{E569538B-54A8-41BE-8886-7C43DE81A7A5}"/>
+              </a:ext>
+            </a:extLst>
+          </p:cNvPr>
+          <p:cNvSpPr>
+            <a:spLocks noGrp="1"/>
+          </p:cNvSpPr>
+          <p:nvPr>
+            <p:ph type="ftr" sz="quarter" idx="11"/>
+          </p:nvPr>
+        </p:nvSpPr>
+        <p:spPr/>
+        <p:txBody>
+          <a:bodyPr/>
+          <a:lstStyle/>
+          <a:p>
+            <a:r>
+              <a:rPr lang="en-GB" dirty="0"/>
+              <a:t>Boldizsár Kiss</a:t>
+            </a:r>
+          </a:p>
+        </p:txBody>
+      </p:sp>
+      <p:sp>
+        <p:nvSpPr>
+          <p:cNvPr id="6" name="Dia számának helye 5">
+            <a:extLst>
+              <a:ext uri="{FF2B5EF4-FFF2-40B4-BE49-F238E27FC236}">
+                <a16:creationId xmlns:a16="http://schemas.microsoft.com/office/drawing/2014/main" id="{A325EA5C-044C-440A-9A3A-F0649B0DDB50}"/>
+              </a:ext>
+            </a:extLst>
+          </p:cNvPr>
+          <p:cNvSpPr>
+            <a:spLocks noGrp="1"/>
+          </p:cNvSpPr>
+          <p:nvPr>
+            <p:ph type="sldNum" sz="quarter" idx="12"/>
+          </p:nvPr>
+        </p:nvSpPr>
+        <p:spPr/>
+        <p:txBody>
+          <a:bodyPr/>
+          <a:lstStyle/>
+          <a:p>
+            <a:fld id="{EF165F4B-DFD9-49AA-9815-E8F8D67A2CE8}" type="slidenum">
+              <a:rPr lang="en-GB" smtClean="0"/>
+              <a:t>3</a:t>
+            </a:fld>
+            <a:endParaRPr lang="en-GB" dirty="0"/>
+          </a:p>
+        </p:txBody>
+      </p:sp>
     </p:spTree>
     <p:extLst>
       <p:ext uri="{BB962C8B-B14F-4D97-AF65-F5344CB8AC3E}">
-        <p14:creationId xmlns:p14="http://schemas.microsoft.com/office/powerpoint/2010/main" val="1889463640"/>
+        <p14:creationId xmlns:p14="http://schemas.microsoft.com/office/powerpoint/2010/main" val="2228441998"/>
       </p:ext>
     </p:extLst>
   </p:cSld>
@@ -4180,39 +4902,11 @@
           <a:lstStyle/>
           <a:p>
             <a:r>
-              <a:rPr lang="hu-HU" dirty="0" err="1">
-                <a:latin typeface="Helvetica" panose="020B0604020202020204" pitchFamily="34" charset="0"/>
-                <a:cs typeface="Helvetica" panose="020B0604020202020204" pitchFamily="34" charset="0"/>
-              </a:rPr>
-              <a:t>Blackjack</a:t>
-            </a:r>
-            <a:r>
               <a:rPr lang="hu-HU" dirty="0">
                 <a:latin typeface="Helvetica" panose="020B0604020202020204" pitchFamily="34" charset="0"/>
                 <a:cs typeface="Helvetica" panose="020B0604020202020204" pitchFamily="34" charset="0"/>
               </a:rPr>
-              <a:t>/</a:t>
-            </a:r>
-            <a:r>
-              <a:rPr lang="hu-HU" dirty="0" err="1">
-                <a:latin typeface="Helvetica" panose="020B0604020202020204" pitchFamily="34" charset="0"/>
-                <a:cs typeface="Helvetica" panose="020B0604020202020204" pitchFamily="34" charset="0"/>
-              </a:rPr>
-              <a:t>Twenty</a:t>
-            </a:r>
-            <a:r>
-              <a:rPr lang="hu-HU" dirty="0">
-                <a:latin typeface="Helvetica" panose="020B0604020202020204" pitchFamily="34" charset="0"/>
-                <a:cs typeface="Helvetica" panose="020B0604020202020204" pitchFamily="34" charset="0"/>
-              </a:rPr>
-              <a:t> and </a:t>
-            </a:r>
-            <a:r>
-              <a:rPr lang="hu-HU" dirty="0" err="1">
-                <a:latin typeface="Helvetica" panose="020B0604020202020204" pitchFamily="34" charset="0"/>
-                <a:cs typeface="Helvetica" panose="020B0604020202020204" pitchFamily="34" charset="0"/>
-              </a:rPr>
-              <a:t>One</a:t>
+              <a:t>Blackjack/Twenty and One</a:t>
             </a:r>
             <a:endParaRPr lang="en-GB" dirty="0">
               <a:latin typeface="Helvetica" panose="020B0604020202020204" pitchFamily="34" charset="0"/>
@@ -4244,6 +4938,31 @@
           </a:bodyPr>
           <a:lstStyle/>
           <a:p>
+            <a:r>
+              <a:rPr lang="hu-HU" sz="3200" dirty="0">
+                <a:latin typeface="Helvetica" panose="020B0604020202020204" pitchFamily="34" charset="0"/>
+                <a:cs typeface="Helvetica" panose="020B0604020202020204" pitchFamily="34" charset="0"/>
+              </a:rPr>
+              <a:t>Feature: making a simple dealer AI instead of some simple random generated numbers</a:t>
+            </a:r>
+          </a:p>
+          <a:p>
+            <a:r>
+              <a:rPr lang="hu-HU" sz="3200" dirty="0">
+                <a:latin typeface="Helvetica" panose="020B0604020202020204" pitchFamily="34" charset="0"/>
+                <a:cs typeface="Helvetica" panose="020B0604020202020204" pitchFamily="34" charset="0"/>
+              </a:rPr>
+              <a:t>The AI also pulls two cards from the deck, and also pulls more if it decides to</a:t>
+            </a:r>
+          </a:p>
+          <a:p>
+            <a:r>
+              <a:rPr lang="hu-HU" sz="3200" dirty="0">
+                <a:latin typeface="Helvetica" panose="020B0604020202020204" pitchFamily="34" charset="0"/>
+                <a:cs typeface="Helvetica" panose="020B0604020202020204" pitchFamily="34" charset="0"/>
+              </a:rPr>
+              <a:t>Often uses the same functions/methods as the player has to</a:t>
+            </a:r>
             <a:endParaRPr lang="en-GB" sz="3200" dirty="0">
               <a:latin typeface="Helvetica" panose="020B0604020202020204" pitchFamily="34" charset="0"/>
               <a:cs typeface="Helvetica" panose="020B0604020202020204" pitchFamily="34" charset="0"/>
@@ -4251,10 +4970,96 @@
           </a:p>
         </p:txBody>
       </p:sp>
+      <p:sp>
+        <p:nvSpPr>
+          <p:cNvPr id="4" name="Dátum helye 3">
+            <a:extLst>
+              <a:ext uri="{FF2B5EF4-FFF2-40B4-BE49-F238E27FC236}">
+                <a16:creationId xmlns:a16="http://schemas.microsoft.com/office/drawing/2014/main" id="{4FE18F2F-33B9-4EA5-A202-DD5C11353134}"/>
+              </a:ext>
+            </a:extLst>
+          </p:cNvPr>
+          <p:cNvSpPr>
+            <a:spLocks noGrp="1"/>
+          </p:cNvSpPr>
+          <p:nvPr>
+            <p:ph type="dt" sz="half" idx="10"/>
+          </p:nvPr>
+        </p:nvSpPr>
+        <p:spPr/>
+        <p:txBody>
+          <a:bodyPr/>
+          <a:lstStyle/>
+          <a:p>
+            <a:r>
+              <a:rPr lang="en-US" dirty="0"/>
+              <a:t>20/10/2017</a:t>
+            </a:r>
+            <a:endParaRPr lang="en-GB" dirty="0"/>
+          </a:p>
+        </p:txBody>
+      </p:sp>
+      <p:sp>
+        <p:nvSpPr>
+          <p:cNvPr id="5" name="Élőláb helye 4">
+            <a:extLst>
+              <a:ext uri="{FF2B5EF4-FFF2-40B4-BE49-F238E27FC236}">
+                <a16:creationId xmlns:a16="http://schemas.microsoft.com/office/drawing/2014/main" id="{E569538B-54A8-41BE-8886-7C43DE81A7A5}"/>
+              </a:ext>
+            </a:extLst>
+          </p:cNvPr>
+          <p:cNvSpPr>
+            <a:spLocks noGrp="1"/>
+          </p:cNvSpPr>
+          <p:nvPr>
+            <p:ph type="ftr" sz="quarter" idx="11"/>
+          </p:nvPr>
+        </p:nvSpPr>
+        <p:spPr/>
+        <p:txBody>
+          <a:bodyPr/>
+          <a:lstStyle/>
+          <a:p>
+            <a:r>
+              <a:rPr lang="en-GB" dirty="0"/>
+              <a:t>Boldizsár Kiss</a:t>
+            </a:r>
+          </a:p>
+        </p:txBody>
+      </p:sp>
+      <p:sp>
+        <p:nvSpPr>
+          <p:cNvPr id="6" name="Dia számának helye 5">
+            <a:extLst>
+              <a:ext uri="{FF2B5EF4-FFF2-40B4-BE49-F238E27FC236}">
+                <a16:creationId xmlns:a16="http://schemas.microsoft.com/office/drawing/2014/main" id="{A325EA5C-044C-440A-9A3A-F0649B0DDB50}"/>
+              </a:ext>
+            </a:extLst>
+          </p:cNvPr>
+          <p:cNvSpPr>
+            <a:spLocks noGrp="1"/>
+          </p:cNvSpPr>
+          <p:nvPr>
+            <p:ph type="sldNum" sz="quarter" idx="12"/>
+          </p:nvPr>
+        </p:nvSpPr>
+        <p:spPr/>
+        <p:txBody>
+          <a:bodyPr/>
+          <a:lstStyle/>
+          <a:p>
+            <a:fld id="{EF165F4B-DFD9-49AA-9815-E8F8D67A2CE8}" type="slidenum">
+              <a:rPr lang="en-GB" smtClean="0"/>
+              <a:t>4</a:t>
+            </a:fld>
+            <a:endParaRPr lang="en-GB" dirty="0"/>
+          </a:p>
+        </p:txBody>
+      </p:sp>
     </p:spTree>
     <p:extLst>
       <p:ext uri="{BB962C8B-B14F-4D97-AF65-F5344CB8AC3E}">
-        <p14:creationId xmlns:p14="http://schemas.microsoft.com/office/powerpoint/2010/main" val="2228441998"/>
+        <p14:creationId xmlns:p14="http://schemas.microsoft.com/office/powerpoint/2010/main" val="1197843871"/>
       </p:ext>
     </p:extLst>
   </p:cSld>
@@ -4286,6 +5091,478 @@
           <p:cNvPr id="2" name="Cím 1">
             <a:extLst>
               <a:ext uri="{FF2B5EF4-FFF2-40B4-BE49-F238E27FC236}">
+                <a16:creationId xmlns:a16="http://schemas.microsoft.com/office/drawing/2014/main" id="{7BDE1855-D196-4C87-B1CF-6E66458D6C32}"/>
+              </a:ext>
+            </a:extLst>
+          </p:cNvPr>
+          <p:cNvSpPr>
+            <a:spLocks noGrp="1"/>
+          </p:cNvSpPr>
+          <p:nvPr>
+            <p:ph type="title"/>
+          </p:nvPr>
+        </p:nvSpPr>
+        <p:spPr/>
+        <p:txBody>
+          <a:bodyPr/>
+          <a:lstStyle/>
+          <a:p>
+            <a:r>
+              <a:rPr lang="hu-HU" dirty="0">
+                <a:latin typeface="Helvetica" panose="020B0604020202020204" pitchFamily="34" charset="0"/>
+                <a:cs typeface="Helvetica" panose="020B0604020202020204" pitchFamily="34" charset="0"/>
+              </a:rPr>
+              <a:t>Blackjack/Twenty and One</a:t>
+            </a:r>
+            <a:endParaRPr lang="en-GB" dirty="0">
+              <a:latin typeface="Helvetica" panose="020B0604020202020204" pitchFamily="34" charset="0"/>
+              <a:cs typeface="Helvetica" panose="020B0604020202020204" pitchFamily="34" charset="0"/>
+            </a:endParaRPr>
+          </a:p>
+        </p:txBody>
+      </p:sp>
+      <p:sp>
+        <p:nvSpPr>
+          <p:cNvPr id="11" name="Tartalom helye 10">
+            <a:extLst>
+              <a:ext uri="{FF2B5EF4-FFF2-40B4-BE49-F238E27FC236}">
+                <a16:creationId xmlns:a16="http://schemas.microsoft.com/office/drawing/2014/main" id="{B30B5177-C4BA-46FD-8BB3-6371F462FA07}"/>
+              </a:ext>
+            </a:extLst>
+          </p:cNvPr>
+          <p:cNvSpPr>
+            <a:spLocks noGrp="1"/>
+          </p:cNvSpPr>
+          <p:nvPr>
+            <p:ph sz="half" idx="1"/>
+          </p:nvPr>
+        </p:nvSpPr>
+        <p:spPr>
+          <a:xfrm>
+            <a:off x="822960" y="1845734"/>
+            <a:ext cx="2649110" cy="4023360"/>
+          </a:xfrm>
+        </p:spPr>
+        <p:txBody>
+          <a:bodyPr/>
+          <a:lstStyle/>
+          <a:p>
+            <a:r>
+              <a:rPr lang="hu-HU" dirty="0">
+                <a:latin typeface="Helvetica" panose="020B0604020202020204" pitchFamily="34" charset="0"/>
+                <a:cs typeface="Helvetica" panose="020B0604020202020204" pitchFamily="34" charset="0"/>
+              </a:rPr>
+              <a:t>Current version:</a:t>
+            </a:r>
+          </a:p>
+          <a:p>
+            <a:r>
+              <a:rPr lang="hu-HU" dirty="0">
+                <a:latin typeface="Helvetica" panose="020B0604020202020204" pitchFamily="34" charset="0"/>
+                <a:cs typeface="Helvetica" panose="020B0604020202020204" pitchFamily="34" charset="0"/>
+              </a:rPr>
+              <a:t>- the dealer can add new cards depending on the value of the hand(s)</a:t>
+            </a:r>
+          </a:p>
+          <a:p>
+            <a:r>
+              <a:rPr lang="hu-HU" dirty="0">
+                <a:latin typeface="Helvetica" panose="020B0604020202020204" pitchFamily="34" charset="0"/>
+                <a:cs typeface="Helvetica" panose="020B0604020202020204" pitchFamily="34" charset="0"/>
+              </a:rPr>
+              <a:t>- it also uses the same methods (sum, add, pull, etc.) as the player</a:t>
+            </a:r>
+          </a:p>
+          <a:p>
+            <a:r>
+              <a:rPr lang="hu-HU" dirty="0">
+                <a:latin typeface="Helvetica" panose="020B0604020202020204" pitchFamily="34" charset="0"/>
+                <a:cs typeface="Helvetica" panose="020B0604020202020204" pitchFamily="34" charset="0"/>
+              </a:rPr>
+              <a:t>- with higher values, the odds of pulling new cards are lower</a:t>
+            </a:r>
+            <a:endParaRPr lang="en-GB" dirty="0">
+              <a:latin typeface="Helvetica" panose="020B0604020202020204" pitchFamily="34" charset="0"/>
+              <a:cs typeface="Helvetica" panose="020B0604020202020204" pitchFamily="34" charset="0"/>
+            </a:endParaRPr>
+          </a:p>
+        </p:txBody>
+      </p:sp>
+      <p:pic>
+        <p:nvPicPr>
+          <p:cNvPr id="13" name="Tartalom helye 12">
+            <a:extLst>
+              <a:ext uri="{FF2B5EF4-FFF2-40B4-BE49-F238E27FC236}">
+                <a16:creationId xmlns:a16="http://schemas.microsoft.com/office/drawing/2014/main" id="{C315D1E5-AD2D-4EFA-AE23-9C362D4E0F95}"/>
+              </a:ext>
+            </a:extLst>
+          </p:cNvPr>
+          <p:cNvPicPr>
+            <a:picLocks noGrp="1" noChangeAspect="1"/>
+          </p:cNvPicPr>
+          <p:nvPr>
+            <p:ph sz="half" idx="2"/>
+          </p:nvPr>
+        </p:nvPicPr>
+        <p:blipFill>
+          <a:blip r:embed="rId2"/>
+          <a:stretch>
+            <a:fillRect/>
+          </a:stretch>
+        </p:blipFill>
+        <p:spPr>
+          <a:xfrm>
+            <a:off x="3689343" y="2067339"/>
+            <a:ext cx="4677417" cy="3732671"/>
+          </a:xfrm>
+          <a:prstGeom prst="rect">
+            <a:avLst/>
+          </a:prstGeom>
+        </p:spPr>
+      </p:pic>
+      <p:sp>
+        <p:nvSpPr>
+          <p:cNvPr id="4" name="Dátum helye 3">
+            <a:extLst>
+              <a:ext uri="{FF2B5EF4-FFF2-40B4-BE49-F238E27FC236}">
+                <a16:creationId xmlns:a16="http://schemas.microsoft.com/office/drawing/2014/main" id="{4FE18F2F-33B9-4EA5-A202-DD5C11353134}"/>
+              </a:ext>
+            </a:extLst>
+          </p:cNvPr>
+          <p:cNvSpPr>
+            <a:spLocks noGrp="1"/>
+          </p:cNvSpPr>
+          <p:nvPr>
+            <p:ph type="dt" sz="half" idx="10"/>
+          </p:nvPr>
+        </p:nvSpPr>
+        <p:spPr/>
+        <p:txBody>
+          <a:bodyPr/>
+          <a:lstStyle/>
+          <a:p>
+            <a:r>
+              <a:rPr lang="en-US" dirty="0"/>
+              <a:t>20/10/2017</a:t>
+            </a:r>
+            <a:endParaRPr lang="en-GB" dirty="0"/>
+          </a:p>
+        </p:txBody>
+      </p:sp>
+      <p:sp>
+        <p:nvSpPr>
+          <p:cNvPr id="5" name="Élőláb helye 4">
+            <a:extLst>
+              <a:ext uri="{FF2B5EF4-FFF2-40B4-BE49-F238E27FC236}">
+                <a16:creationId xmlns:a16="http://schemas.microsoft.com/office/drawing/2014/main" id="{E569538B-54A8-41BE-8886-7C43DE81A7A5}"/>
+              </a:ext>
+            </a:extLst>
+          </p:cNvPr>
+          <p:cNvSpPr>
+            <a:spLocks noGrp="1"/>
+          </p:cNvSpPr>
+          <p:nvPr>
+            <p:ph type="ftr" sz="quarter" idx="11"/>
+          </p:nvPr>
+        </p:nvSpPr>
+        <p:spPr/>
+        <p:txBody>
+          <a:bodyPr/>
+          <a:lstStyle/>
+          <a:p>
+            <a:r>
+              <a:rPr lang="en-GB" dirty="0"/>
+              <a:t>Boldizsár Kiss</a:t>
+            </a:r>
+          </a:p>
+        </p:txBody>
+      </p:sp>
+      <p:sp>
+        <p:nvSpPr>
+          <p:cNvPr id="6" name="Dia számának helye 5">
+            <a:extLst>
+              <a:ext uri="{FF2B5EF4-FFF2-40B4-BE49-F238E27FC236}">
+                <a16:creationId xmlns:a16="http://schemas.microsoft.com/office/drawing/2014/main" id="{A325EA5C-044C-440A-9A3A-F0649B0DDB50}"/>
+              </a:ext>
+            </a:extLst>
+          </p:cNvPr>
+          <p:cNvSpPr>
+            <a:spLocks noGrp="1"/>
+          </p:cNvSpPr>
+          <p:nvPr>
+            <p:ph type="sldNum" sz="quarter" idx="12"/>
+          </p:nvPr>
+        </p:nvSpPr>
+        <p:spPr/>
+        <p:txBody>
+          <a:bodyPr/>
+          <a:lstStyle/>
+          <a:p>
+            <a:fld id="{EF165F4B-DFD9-49AA-9815-E8F8D67A2CE8}" type="slidenum">
+              <a:rPr lang="en-GB" smtClean="0"/>
+              <a:t>5</a:t>
+            </a:fld>
+            <a:endParaRPr lang="en-GB" dirty="0"/>
+          </a:p>
+        </p:txBody>
+      </p:sp>
+    </p:spTree>
+    <p:extLst>
+      <p:ext uri="{BB962C8B-B14F-4D97-AF65-F5344CB8AC3E}">
+        <p14:creationId xmlns:p14="http://schemas.microsoft.com/office/powerpoint/2010/main" val="3877183912"/>
+      </p:ext>
+    </p:extLst>
+  </p:cSld>
+  <p:clrMapOvr>
+    <a:masterClrMapping/>
+  </p:clrMapOvr>
+</p:sld>
+</file>
+
+<file path=ppt/slides/slide6.xml><?xml version="1.0" encoding="utf-8"?>
+<p:sld xmlns:a="http://schemas.openxmlformats.org/drawingml/2006/main" xmlns:r="http://schemas.openxmlformats.org/officeDocument/2006/relationships" xmlns:p="http://schemas.openxmlformats.org/presentationml/2006/main">
+  <p:cSld>
+    <p:spTree>
+      <p:nvGrpSpPr>
+        <p:cNvPr id="1" name=""/>
+        <p:cNvGrpSpPr/>
+        <p:nvPr/>
+      </p:nvGrpSpPr>
+      <p:grpSpPr>
+        <a:xfrm>
+          <a:off x="0" y="0"/>
+          <a:ext cx="0" cy="0"/>
+          <a:chOff x="0" y="0"/>
+          <a:chExt cx="0" cy="0"/>
+        </a:xfrm>
+      </p:grpSpPr>
+      <p:sp>
+        <p:nvSpPr>
+          <p:cNvPr id="2" name="Cím 1">
+            <a:extLst>
+              <a:ext uri="{FF2B5EF4-FFF2-40B4-BE49-F238E27FC236}">
+                <a16:creationId xmlns:a16="http://schemas.microsoft.com/office/drawing/2014/main" id="{7BDE1855-D196-4C87-B1CF-6E66458D6C32}"/>
+              </a:ext>
+            </a:extLst>
+          </p:cNvPr>
+          <p:cNvSpPr>
+            <a:spLocks noGrp="1"/>
+          </p:cNvSpPr>
+          <p:nvPr>
+            <p:ph type="title"/>
+          </p:nvPr>
+        </p:nvSpPr>
+        <p:spPr/>
+        <p:txBody>
+          <a:bodyPr/>
+          <a:lstStyle/>
+          <a:p>
+            <a:r>
+              <a:rPr lang="hu-HU" dirty="0">
+                <a:latin typeface="Helvetica" panose="020B0604020202020204" pitchFamily="34" charset="0"/>
+                <a:cs typeface="Helvetica" panose="020B0604020202020204" pitchFamily="34" charset="0"/>
+              </a:rPr>
+              <a:t>Blackjack/Twenty and One</a:t>
+            </a:r>
+            <a:endParaRPr lang="en-GB" dirty="0">
+              <a:latin typeface="Helvetica" panose="020B0604020202020204" pitchFamily="34" charset="0"/>
+              <a:cs typeface="Helvetica" panose="020B0604020202020204" pitchFamily="34" charset="0"/>
+            </a:endParaRPr>
+          </a:p>
+        </p:txBody>
+      </p:sp>
+      <p:sp>
+        <p:nvSpPr>
+          <p:cNvPr id="3" name="Tartalom helye 2">
+            <a:extLst>
+              <a:ext uri="{FF2B5EF4-FFF2-40B4-BE49-F238E27FC236}">
+                <a16:creationId xmlns:a16="http://schemas.microsoft.com/office/drawing/2014/main" id="{5C28876F-13CE-47FB-9834-005884476302}"/>
+              </a:ext>
+            </a:extLst>
+          </p:cNvPr>
+          <p:cNvSpPr>
+            <a:spLocks noGrp="1"/>
+          </p:cNvSpPr>
+          <p:nvPr>
+            <p:ph idx="1"/>
+          </p:nvPr>
+        </p:nvSpPr>
+        <p:spPr/>
+        <p:txBody>
+          <a:bodyPr>
+            <a:normAutofit/>
+          </a:bodyPr>
+          <a:lstStyle/>
+          <a:p>
+            <a:r>
+              <a:rPr lang="hu-HU" sz="3200" dirty="0">
+                <a:latin typeface="Helvetica" panose="020B0604020202020204" pitchFamily="34" charset="0"/>
+                <a:cs typeface="Helvetica" panose="020B0604020202020204" pitchFamily="34" charset="0"/>
+              </a:rPr>
+              <a:t>Further plans:</a:t>
+            </a:r>
+          </a:p>
+          <a:p>
+            <a:r>
+              <a:rPr lang="hu-HU" sz="3200" dirty="0">
+                <a:latin typeface="Helvetica" panose="020B0604020202020204" pitchFamily="34" charset="0"/>
+                <a:cs typeface="Helvetica" panose="020B0604020202020204" pitchFamily="34" charset="0"/>
+              </a:rPr>
+              <a:t>- making the rules more accurate</a:t>
+            </a:r>
+          </a:p>
+          <a:p>
+            <a:r>
+              <a:rPr lang="hu-HU" sz="3200" dirty="0">
+                <a:latin typeface="Helvetica" panose="020B0604020202020204" pitchFamily="34" charset="0"/>
+                <a:cs typeface="Helvetica" panose="020B0604020202020204" pitchFamily="34" charset="0"/>
+              </a:rPr>
+              <a:t>- making the console lines a bit more informative, adding the exact values to the written lines</a:t>
+            </a:r>
+          </a:p>
+          <a:p>
+            <a:r>
+              <a:rPr lang="hu-HU" sz="3200" dirty="0">
+                <a:latin typeface="Helvetica" panose="020B0604020202020204" pitchFamily="34" charset="0"/>
+                <a:cs typeface="Helvetica" panose="020B0604020202020204" pitchFamily="34" charset="0"/>
+              </a:rPr>
+              <a:t>- </a:t>
+            </a:r>
+            <a:r>
+              <a:rPr lang="hu-HU" sz="3200">
+                <a:latin typeface="Helvetica" panose="020B0604020202020204" pitchFamily="34" charset="0"/>
+                <a:cs typeface="Helvetica" panose="020B0604020202020204" pitchFamily="34" charset="0"/>
+              </a:rPr>
+              <a:t>more refactoring</a:t>
+            </a:r>
+            <a:endParaRPr lang="en-GB" sz="3200" dirty="0">
+              <a:latin typeface="Helvetica" panose="020B0604020202020204" pitchFamily="34" charset="0"/>
+              <a:cs typeface="Helvetica" panose="020B0604020202020204" pitchFamily="34" charset="0"/>
+            </a:endParaRPr>
+          </a:p>
+        </p:txBody>
+      </p:sp>
+      <p:sp>
+        <p:nvSpPr>
+          <p:cNvPr id="4" name="Dátum helye 3">
+            <a:extLst>
+              <a:ext uri="{FF2B5EF4-FFF2-40B4-BE49-F238E27FC236}">
+                <a16:creationId xmlns:a16="http://schemas.microsoft.com/office/drawing/2014/main" id="{4FE18F2F-33B9-4EA5-A202-DD5C11353134}"/>
+              </a:ext>
+            </a:extLst>
+          </p:cNvPr>
+          <p:cNvSpPr>
+            <a:spLocks noGrp="1"/>
+          </p:cNvSpPr>
+          <p:nvPr>
+            <p:ph type="dt" sz="half" idx="10"/>
+          </p:nvPr>
+        </p:nvSpPr>
+        <p:spPr/>
+        <p:txBody>
+          <a:bodyPr/>
+          <a:lstStyle/>
+          <a:p>
+            <a:r>
+              <a:rPr lang="en-US" dirty="0"/>
+              <a:t>20/10/2017</a:t>
+            </a:r>
+            <a:endParaRPr lang="en-GB" dirty="0"/>
+          </a:p>
+        </p:txBody>
+      </p:sp>
+      <p:sp>
+        <p:nvSpPr>
+          <p:cNvPr id="5" name="Élőláb helye 4">
+            <a:extLst>
+              <a:ext uri="{FF2B5EF4-FFF2-40B4-BE49-F238E27FC236}">
+                <a16:creationId xmlns:a16="http://schemas.microsoft.com/office/drawing/2014/main" id="{E569538B-54A8-41BE-8886-7C43DE81A7A5}"/>
+              </a:ext>
+            </a:extLst>
+          </p:cNvPr>
+          <p:cNvSpPr>
+            <a:spLocks noGrp="1"/>
+          </p:cNvSpPr>
+          <p:nvPr>
+            <p:ph type="ftr" sz="quarter" idx="11"/>
+          </p:nvPr>
+        </p:nvSpPr>
+        <p:spPr/>
+        <p:txBody>
+          <a:bodyPr/>
+          <a:lstStyle/>
+          <a:p>
+            <a:r>
+              <a:rPr lang="en-GB" dirty="0"/>
+              <a:t>Boldizsár Kiss</a:t>
+            </a:r>
+          </a:p>
+        </p:txBody>
+      </p:sp>
+      <p:sp>
+        <p:nvSpPr>
+          <p:cNvPr id="6" name="Dia számának helye 5">
+            <a:extLst>
+              <a:ext uri="{FF2B5EF4-FFF2-40B4-BE49-F238E27FC236}">
+                <a16:creationId xmlns:a16="http://schemas.microsoft.com/office/drawing/2014/main" id="{A325EA5C-044C-440A-9A3A-F0649B0DDB50}"/>
+              </a:ext>
+            </a:extLst>
+          </p:cNvPr>
+          <p:cNvSpPr>
+            <a:spLocks noGrp="1"/>
+          </p:cNvSpPr>
+          <p:nvPr>
+            <p:ph type="sldNum" sz="quarter" idx="12"/>
+          </p:nvPr>
+        </p:nvSpPr>
+        <p:spPr/>
+        <p:txBody>
+          <a:bodyPr/>
+          <a:lstStyle/>
+          <a:p>
+            <a:fld id="{EF165F4B-DFD9-49AA-9815-E8F8D67A2CE8}" type="slidenum">
+              <a:rPr lang="en-GB" smtClean="0"/>
+              <a:t>6</a:t>
+            </a:fld>
+            <a:endParaRPr lang="en-GB" dirty="0"/>
+          </a:p>
+        </p:txBody>
+      </p:sp>
+    </p:spTree>
+    <p:extLst>
+      <p:ext uri="{BB962C8B-B14F-4D97-AF65-F5344CB8AC3E}">
+        <p14:creationId xmlns:p14="http://schemas.microsoft.com/office/powerpoint/2010/main" val="211804082"/>
+      </p:ext>
+    </p:extLst>
+  </p:cSld>
+  <p:clrMapOvr>
+    <a:masterClrMapping/>
+  </p:clrMapOvr>
+</p:sld>
+</file>
+
+<file path=ppt/slides/slide7.xml><?xml version="1.0" encoding="utf-8"?>
+<p:sld xmlns:a="http://schemas.openxmlformats.org/drawingml/2006/main" xmlns:r="http://schemas.openxmlformats.org/officeDocument/2006/relationships" xmlns:p="http://schemas.openxmlformats.org/presentationml/2006/main">
+  <p:cSld>
+    <p:spTree>
+      <p:nvGrpSpPr>
+        <p:cNvPr id="1" name=""/>
+        <p:cNvGrpSpPr/>
+        <p:nvPr/>
+      </p:nvGrpSpPr>
+      <p:grpSpPr>
+        <a:xfrm>
+          <a:off x="0" y="0"/>
+          <a:ext cx="0" cy="0"/>
+          <a:chOff x="0" y="0"/>
+          <a:chExt cx="0" cy="0"/>
+        </a:xfrm>
+      </p:grpSpPr>
+      <p:sp>
+        <p:nvSpPr>
+          <p:cNvPr id="2" name="Cím 1">
+            <a:extLst>
+              <a:ext uri="{FF2B5EF4-FFF2-40B4-BE49-F238E27FC236}">
                 <a16:creationId xmlns:a16="http://schemas.microsoft.com/office/drawing/2014/main" id="{06548EAA-E14A-439E-8086-AE9572A2FC5E}"/>
               </a:ext>
             </a:extLst>
@@ -4306,62 +5583,140 @@
           <a:p>
             <a:pPr algn="ctr"/>
             <a:r>
-              <a:rPr lang="hu-HU" sz="6000" dirty="0" err="1">
-                <a:latin typeface="Helvetica" panose="020B0604020202020204" pitchFamily="34" charset="0"/>
-                <a:cs typeface="Helvetica" panose="020B0604020202020204" pitchFamily="34" charset="0"/>
-              </a:rPr>
-              <a:t>Thanks</a:t>
-            </a:r>
-            <a:r>
               <a:rPr lang="hu-HU" sz="6000" dirty="0">
                 <a:latin typeface="Helvetica" panose="020B0604020202020204" pitchFamily="34" charset="0"/>
                 <a:cs typeface="Helvetica" panose="020B0604020202020204" pitchFamily="34" charset="0"/>
               </a:rPr>
-              <a:t> </a:t>
-            </a:r>
-            <a:r>
-              <a:rPr lang="hu-HU" sz="6000" dirty="0" err="1">
+              <a:t>Thanks for your attention!</a:t>
+            </a:r>
+            <a:endParaRPr lang="en-GB" sz="6000" dirty="0">
+              <a:latin typeface="Helvetica" panose="020B0604020202020204" pitchFamily="34" charset="0"/>
+              <a:cs typeface="Helvetica" panose="020B0604020202020204" pitchFamily="34" charset="0"/>
+            </a:endParaRPr>
+          </a:p>
+        </p:txBody>
+      </p:sp>
+      <p:sp>
+        <p:nvSpPr>
+          <p:cNvPr id="6" name="Dátum helye 5">
+            <a:extLst>
+              <a:ext uri="{FF2B5EF4-FFF2-40B4-BE49-F238E27FC236}">
+                <a16:creationId xmlns:a16="http://schemas.microsoft.com/office/drawing/2014/main" id="{B1551476-4EEA-4481-9056-27F1A51BC2BD}"/>
+              </a:ext>
+            </a:extLst>
+          </p:cNvPr>
+          <p:cNvSpPr>
+            <a:spLocks noGrp="1"/>
+          </p:cNvSpPr>
+          <p:nvPr>
+            <p:ph type="dt" sz="half" idx="10"/>
+          </p:nvPr>
+        </p:nvSpPr>
+        <p:spPr/>
+        <p:txBody>
+          <a:bodyPr/>
+          <a:lstStyle/>
+          <a:p>
+            <a:r>
+              <a:rPr lang="en-US" dirty="0"/>
+              <a:t>20/10/2017</a:t>
+            </a:r>
+            <a:endParaRPr lang="en-GB" dirty="0"/>
+          </a:p>
+        </p:txBody>
+      </p:sp>
+      <p:sp>
+        <p:nvSpPr>
+          <p:cNvPr id="7" name="Élőláb helye 6">
+            <a:extLst>
+              <a:ext uri="{FF2B5EF4-FFF2-40B4-BE49-F238E27FC236}">
+                <a16:creationId xmlns:a16="http://schemas.microsoft.com/office/drawing/2014/main" id="{A2BE3E29-D488-4056-BFB8-5D70FBFB2CD2}"/>
+              </a:ext>
+            </a:extLst>
+          </p:cNvPr>
+          <p:cNvSpPr>
+            <a:spLocks noGrp="1"/>
+          </p:cNvSpPr>
+          <p:nvPr>
+            <p:ph type="ftr" sz="quarter" idx="11"/>
+          </p:nvPr>
+        </p:nvSpPr>
+        <p:spPr/>
+        <p:txBody>
+          <a:bodyPr/>
+          <a:lstStyle/>
+          <a:p>
+            <a:r>
+              <a:rPr lang="en-GB" dirty="0"/>
+              <a:t>Boldizsár Kiss</a:t>
+            </a:r>
+          </a:p>
+        </p:txBody>
+      </p:sp>
+      <p:sp>
+        <p:nvSpPr>
+          <p:cNvPr id="8" name="Dia számának helye 7">
+            <a:extLst>
+              <a:ext uri="{FF2B5EF4-FFF2-40B4-BE49-F238E27FC236}">
+                <a16:creationId xmlns:a16="http://schemas.microsoft.com/office/drawing/2014/main" id="{25C25FF1-896E-4B1B-AA95-7E8AF9C217D1}"/>
+              </a:ext>
+            </a:extLst>
+          </p:cNvPr>
+          <p:cNvSpPr>
+            <a:spLocks noGrp="1"/>
+          </p:cNvSpPr>
+          <p:nvPr>
+            <p:ph type="sldNum" sz="quarter" idx="12"/>
+          </p:nvPr>
+        </p:nvSpPr>
+        <p:spPr/>
+        <p:txBody>
+          <a:bodyPr/>
+          <a:lstStyle/>
+          <a:p>
+            <a:fld id="{EF165F4B-DFD9-49AA-9815-E8F8D67A2CE8}" type="slidenum">
+              <a:rPr lang="en-GB" smtClean="0"/>
+              <a:t>7</a:t>
+            </a:fld>
+            <a:endParaRPr lang="en-GB" dirty="0"/>
+          </a:p>
+        </p:txBody>
+      </p:sp>
+      <p:sp>
+        <p:nvSpPr>
+          <p:cNvPr id="9" name="Alcím 2">
+            <a:extLst>
+              <a:ext uri="{FF2B5EF4-FFF2-40B4-BE49-F238E27FC236}">
+                <a16:creationId xmlns:a16="http://schemas.microsoft.com/office/drawing/2014/main" id="{DE63067F-698C-4D59-9B7B-261B7DDD0EC0}"/>
+              </a:ext>
+            </a:extLst>
+          </p:cNvPr>
+          <p:cNvSpPr>
+            <a:spLocks noGrp="1"/>
+          </p:cNvSpPr>
+          <p:nvPr>
+            <p:ph type="subTitle" idx="1"/>
+          </p:nvPr>
+        </p:nvSpPr>
+        <p:spPr>
+          <a:xfrm>
+            <a:off x="825038" y="4455621"/>
+            <a:ext cx="7543800" cy="1143000"/>
+          </a:xfrm>
+        </p:spPr>
+        <p:txBody>
+          <a:bodyPr/>
+          <a:lstStyle/>
+          <a:p>
+            <a:pPr algn="ctr"/>
+            <a:r>
+              <a:rPr lang="hu-HU" cap="none" dirty="0">
                 <a:latin typeface="Helvetica" panose="020B0604020202020204" pitchFamily="34" charset="0"/>
                 <a:cs typeface="Helvetica" panose="020B0604020202020204" pitchFamily="34" charset="0"/>
               </a:rPr>
-              <a:t>for</a:t>
-            </a:r>
-            <a:r>
-              <a:rPr lang="hu-HU" sz="6000" dirty="0">
-                <a:latin typeface="Helvetica" panose="020B0604020202020204" pitchFamily="34" charset="0"/>
-                <a:cs typeface="Helvetica" panose="020B0604020202020204" pitchFamily="34" charset="0"/>
-              </a:rPr>
-              <a:t> </a:t>
-            </a:r>
-            <a:r>
-              <a:rPr lang="hu-HU" sz="6000" dirty="0" err="1">
-                <a:latin typeface="Helvetica" panose="020B0604020202020204" pitchFamily="34" charset="0"/>
-                <a:cs typeface="Helvetica" panose="020B0604020202020204" pitchFamily="34" charset="0"/>
-              </a:rPr>
-              <a:t>your</a:t>
-            </a:r>
-            <a:r>
-              <a:rPr lang="hu-HU" sz="6000" dirty="0">
-                <a:latin typeface="Helvetica" panose="020B0604020202020204" pitchFamily="34" charset="0"/>
-                <a:cs typeface="Helvetica" panose="020B0604020202020204" pitchFamily="34" charset="0"/>
-              </a:rPr>
-              <a:t> </a:t>
-            </a:r>
-            <a:r>
-              <a:rPr lang="hu-HU" sz="6000" dirty="0" err="1">
-                <a:latin typeface="Helvetica" panose="020B0604020202020204" pitchFamily="34" charset="0"/>
-                <a:cs typeface="Helvetica" panose="020B0604020202020204" pitchFamily="34" charset="0"/>
-              </a:rPr>
-              <a:t>attention</a:t>
-            </a:r>
-            <a:r>
-              <a:rPr lang="hu-HU" sz="6000" dirty="0">
-                <a:latin typeface="Helvetica" panose="020B0604020202020204" pitchFamily="34" charset="0"/>
-                <a:cs typeface="Helvetica" panose="020B0604020202020204" pitchFamily="34" charset="0"/>
-              </a:rPr>
-              <a:t>!</a:t>
-            </a:r>
-            <a:endParaRPr lang="en-GB" sz="6000" dirty="0">
+              <a:t>(Clap your hands or do something like this.)</a:t>
+            </a:r>
+            <a:endParaRPr lang="en-GB" cap="none" dirty="0">
               <a:latin typeface="Helvetica" panose="020B0604020202020204" pitchFamily="34" charset="0"/>
               <a:cs typeface="Helvetica" panose="020B0604020202020204" pitchFamily="34" charset="0"/>
             </a:endParaRPr>
@@ -4662,4 +6017,299 @@
     </a:ext>
   </a:extLst>
 </a:theme>
+</file>
+
+<file path=ppt/theme/theme2.xml><?xml version="1.0" encoding="utf-8"?>
+<a:theme xmlns:a="http://schemas.openxmlformats.org/drawingml/2006/main" name="Office-téma">
+  <a:themeElements>
+    <a:clrScheme name="Office">
+      <a:dk1>
+        <a:sysClr val="windowText" lastClr="000000"/>
+      </a:dk1>
+      <a:lt1>
+        <a:sysClr val="window" lastClr="FFFFFF"/>
+      </a:lt1>
+      <a:dk2>
+        <a:srgbClr val="44546A"/>
+      </a:dk2>
+      <a:lt2>
+        <a:srgbClr val="E7E6E6"/>
+      </a:lt2>
+      <a:accent1>
+        <a:srgbClr val="4472C4"/>
+      </a:accent1>
+      <a:accent2>
+        <a:srgbClr val="ED7D31"/>
+      </a:accent2>
+      <a:accent3>
+        <a:srgbClr val="A5A5A5"/>
+      </a:accent3>
+      <a:accent4>
+        <a:srgbClr val="FFC000"/>
+      </a:accent4>
+      <a:accent5>
+        <a:srgbClr val="5B9BD5"/>
+      </a:accent5>
+      <a:accent6>
+        <a:srgbClr val="70AD47"/>
+      </a:accent6>
+      <a:hlink>
+        <a:srgbClr val="0563C1"/>
+      </a:hlink>
+      <a:folHlink>
+        <a:srgbClr val="954F72"/>
+      </a:folHlink>
+    </a:clrScheme>
+    <a:fontScheme name="Office">
+      <a:majorFont>
+        <a:latin typeface="Calibri Light" panose="020F0302020204030204"/>
+        <a:ea typeface=""/>
+        <a:cs typeface=""/>
+        <a:font script="Jpan" typeface="游ゴシック Light"/>
+        <a:font script="Hang" typeface="맑은 고딕"/>
+        <a:font script="Hans" typeface="等线 Light"/>
+        <a:font script="Hant" typeface="新細明體"/>
+        <a:font script="Arab" typeface="Times New Roman"/>
+        <a:font script="Hebr" typeface="Times New Roman"/>
+        <a:font script="Thai" typeface="Angsana New"/>
+        <a:font script="Ethi" typeface="Nyala"/>
+        <a:font script="Beng" typeface="Vrinda"/>
+        <a:font script="Gujr" typeface="Shruti"/>
+        <a:font script="Khmr" typeface="MoolBoran"/>
+        <a:font script="Knda" typeface="Tunga"/>
+        <a:font script="Guru" typeface="Raavi"/>
+        <a:font script="Cans" typeface="Euphemia"/>
+        <a:font script="Cher" typeface="Plantagenet Cherokee"/>
+        <a:font script="Yiii" typeface="Microsoft Yi Baiti"/>
+        <a:font script="Tibt" typeface="Microsoft Himalaya"/>
+        <a:font script="Thaa" typeface="MV Boli"/>
+        <a:font script="Deva" typeface="Mangal"/>
+        <a:font script="Telu" typeface="Gautami"/>
+        <a:font script="Taml" typeface="Latha"/>
+        <a:font script="Syrc" typeface="Estrangelo Edessa"/>
+        <a:font script="Orya" typeface="Kalinga"/>
+        <a:font script="Mlym" typeface="Kartika"/>
+        <a:font script="Laoo" typeface="DokChampa"/>
+        <a:font script="Sinh" typeface="Iskoola Pota"/>
+        <a:font script="Mong" typeface="Mongolian Baiti"/>
+        <a:font script="Viet" typeface="Times New Roman"/>
+        <a:font script="Uigh" typeface="Microsoft Uighur"/>
+        <a:font script="Geor" typeface="Sylfaen"/>
+        <a:font script="Armn" typeface="Arial"/>
+        <a:font script="Bugi" typeface="Leelawadee UI"/>
+        <a:font script="Bopo" typeface="Microsoft JhengHei"/>
+        <a:font script="Java" typeface="Javanese Text"/>
+        <a:font script="Lisu" typeface="Segoe UI"/>
+        <a:font script="Mymr" typeface="Myanmar Text"/>
+        <a:font script="Nkoo" typeface="Ebrima"/>
+        <a:font script="Olck" typeface="Nirmala UI"/>
+        <a:font script="Osma" typeface="Ebrima"/>
+        <a:font script="Phag" typeface="Phagspa"/>
+        <a:font script="Syrn" typeface="Estrangelo Edessa"/>
+        <a:font script="Syrj" typeface="Estrangelo Edessa"/>
+        <a:font script="Syre" typeface="Estrangelo Edessa"/>
+        <a:font script="Sora" typeface="Nirmala UI"/>
+        <a:font script="Tale" typeface="Microsoft Tai Le"/>
+        <a:font script="Talu" typeface="Microsoft New Tai Lue"/>
+        <a:font script="Tfng" typeface="Ebrima"/>
+      </a:majorFont>
+      <a:minorFont>
+        <a:latin typeface="Calibri" panose="020F0502020204030204"/>
+        <a:ea typeface=""/>
+        <a:cs typeface=""/>
+        <a:font script="Jpan" typeface="游ゴシック"/>
+        <a:font script="Hang" typeface="맑은 고딕"/>
+        <a:font script="Hans" typeface="等线"/>
+        <a:font script="Hant" typeface="新細明體"/>
+        <a:font script="Arab" typeface="Arial"/>
+        <a:font script="Hebr" typeface="Arial"/>
+        <a:font script="Thai" typeface="Cordia New"/>
+        <a:font script="Ethi" typeface="Nyala"/>
+        <a:font script="Beng" typeface="Vrinda"/>
+        <a:font script="Gujr" typeface="Shruti"/>
+        <a:font script="Khmr" typeface="DaunPenh"/>
+        <a:font script="Knda" typeface="Tunga"/>
+        <a:font script="Guru" typeface="Raavi"/>
+        <a:font script="Cans" typeface="Euphemia"/>
+        <a:font script="Cher" typeface="Plantagenet Cherokee"/>
+        <a:font script="Yiii" typeface="Microsoft Yi Baiti"/>
+        <a:font script="Tibt" typeface="Microsoft Himalaya"/>
+        <a:font script="Thaa" typeface="MV Boli"/>
+        <a:font script="Deva" typeface="Mangal"/>
+        <a:font script="Telu" typeface="Gautami"/>
+        <a:font script="Taml" typeface="Latha"/>
+        <a:font script="Syrc" typeface="Estrangelo Edessa"/>
+        <a:font script="Orya" typeface="Kalinga"/>
+        <a:font script="Mlym" typeface="Kartika"/>
+        <a:font script="Laoo" typeface="DokChampa"/>
+        <a:font script="Sinh" typeface="Iskoola Pota"/>
+        <a:font script="Mong" typeface="Mongolian Baiti"/>
+        <a:font script="Viet" typeface="Arial"/>
+        <a:font script="Uigh" typeface="Microsoft Uighur"/>
+        <a:font script="Geor" typeface="Sylfaen"/>
+        <a:font script="Armn" typeface="Arial"/>
+        <a:font script="Bugi" typeface="Leelawadee UI"/>
+        <a:font script="Bopo" typeface="Microsoft JhengHei"/>
+        <a:font script="Java" typeface="Javanese Text"/>
+        <a:font script="Lisu" typeface="Segoe UI"/>
+        <a:font script="Mymr" typeface="Myanmar Text"/>
+        <a:font script="Nkoo" typeface="Ebrima"/>
+        <a:font script="Olck" typeface="Nirmala UI"/>
+        <a:font script="Osma" typeface="Ebrima"/>
+        <a:font script="Phag" typeface="Phagspa"/>
+        <a:font script="Syrn" typeface="Estrangelo Edessa"/>
+        <a:font script="Syrj" typeface="Estrangelo Edessa"/>
+        <a:font script="Syre" typeface="Estrangelo Edessa"/>
+        <a:font script="Sora" typeface="Nirmala UI"/>
+        <a:font script="Tale" typeface="Microsoft Tai Le"/>
+        <a:font script="Talu" typeface="Microsoft New Tai Lue"/>
+        <a:font script="Tfng" typeface="Ebrima"/>
+      </a:minorFont>
+    </a:fontScheme>
+    <a:fmtScheme name="Office">
+      <a:fillStyleLst>
+        <a:solidFill>
+          <a:schemeClr val="phClr"/>
+        </a:solidFill>
+        <a:gradFill rotWithShape="1">
+          <a:gsLst>
+            <a:gs pos="0">
+              <a:schemeClr val="phClr">
+                <a:lumMod val="110000"/>
+                <a:satMod val="105000"/>
+                <a:tint val="67000"/>
+              </a:schemeClr>
+            </a:gs>
+            <a:gs pos="50000">
+              <a:schemeClr val="phClr">
+                <a:lumMod val="105000"/>
+                <a:satMod val="103000"/>
+                <a:tint val="73000"/>
+              </a:schemeClr>
+            </a:gs>
+            <a:gs pos="100000">
+              <a:schemeClr val="phClr">
+                <a:lumMod val="105000"/>
+                <a:satMod val="109000"/>
+                <a:tint val="81000"/>
+              </a:schemeClr>
+            </a:gs>
+          </a:gsLst>
+          <a:lin ang="5400000" scaled="0"/>
+        </a:gradFill>
+        <a:gradFill rotWithShape="1">
+          <a:gsLst>
+            <a:gs pos="0">
+              <a:schemeClr val="phClr">
+                <a:satMod val="103000"/>
+                <a:lumMod val="102000"/>
+                <a:tint val="94000"/>
+              </a:schemeClr>
+            </a:gs>
+            <a:gs pos="50000">
+              <a:schemeClr val="phClr">
+                <a:satMod val="110000"/>
+                <a:lumMod val="100000"/>
+                <a:shade val="100000"/>
+              </a:schemeClr>
+            </a:gs>
+            <a:gs pos="100000">
+              <a:schemeClr val="phClr">
+                <a:lumMod val="99000"/>
+                <a:satMod val="120000"/>
+                <a:shade val="78000"/>
+              </a:schemeClr>
+            </a:gs>
+          </a:gsLst>
+          <a:lin ang="5400000" scaled="0"/>
+        </a:gradFill>
+      </a:fillStyleLst>
+      <a:lnStyleLst>
+        <a:ln w="6350" cap="flat" cmpd="sng" algn="ctr">
+          <a:solidFill>
+            <a:schemeClr val="phClr"/>
+          </a:solidFill>
+          <a:prstDash val="solid"/>
+          <a:miter lim="800000"/>
+        </a:ln>
+        <a:ln w="12700" cap="flat" cmpd="sng" algn="ctr">
+          <a:solidFill>
+            <a:schemeClr val="phClr"/>
+          </a:solidFill>
+          <a:prstDash val="solid"/>
+          <a:miter lim="800000"/>
+        </a:ln>
+        <a:ln w="19050" cap="flat" cmpd="sng" algn="ctr">
+          <a:solidFill>
+            <a:schemeClr val="phClr"/>
+          </a:solidFill>
+          <a:prstDash val="solid"/>
+          <a:miter lim="800000"/>
+        </a:ln>
+      </a:lnStyleLst>
+      <a:effectStyleLst>
+        <a:effectStyle>
+          <a:effectLst/>
+        </a:effectStyle>
+        <a:effectStyle>
+          <a:effectLst/>
+        </a:effectStyle>
+        <a:effectStyle>
+          <a:effectLst>
+            <a:outerShdw blurRad="57150" dist="19050" dir="5400000" algn="ctr" rotWithShape="0">
+              <a:srgbClr val="000000">
+                <a:alpha val="63000"/>
+              </a:srgbClr>
+            </a:outerShdw>
+          </a:effectLst>
+        </a:effectStyle>
+      </a:effectStyleLst>
+      <a:bgFillStyleLst>
+        <a:solidFill>
+          <a:schemeClr val="phClr"/>
+        </a:solidFill>
+        <a:solidFill>
+          <a:schemeClr val="phClr">
+            <a:tint val="95000"/>
+            <a:satMod val="170000"/>
+          </a:schemeClr>
+        </a:solidFill>
+        <a:gradFill rotWithShape="1">
+          <a:gsLst>
+            <a:gs pos="0">
+              <a:schemeClr val="phClr">
+                <a:tint val="93000"/>
+                <a:satMod val="150000"/>
+                <a:shade val="98000"/>
+                <a:lumMod val="102000"/>
+              </a:schemeClr>
+            </a:gs>
+            <a:gs pos="50000">
+              <a:schemeClr val="phClr">
+                <a:tint val="98000"/>
+                <a:satMod val="130000"/>
+                <a:shade val="90000"/>
+                <a:lumMod val="103000"/>
+              </a:schemeClr>
+            </a:gs>
+            <a:gs pos="100000">
+              <a:schemeClr val="phClr">
+                <a:shade val="63000"/>
+                <a:satMod val="120000"/>
+              </a:schemeClr>
+            </a:gs>
+          </a:gsLst>
+          <a:lin ang="5400000" scaled="0"/>
+        </a:gradFill>
+      </a:bgFillStyleLst>
+    </a:fmtScheme>
+  </a:themeElements>
+  <a:objectDefaults/>
+  <a:extraClrSchemeLst/>
+  <a:extLst>
+    <a:ext uri="{05A4C25C-085E-4340-85A3-A5531E510DB2}">
+      <thm15:themeFamily xmlns:thm15="http://schemas.microsoft.com/office/thememl/2012/main" name="Office Theme" id="{62F939B6-93AF-4DB8-9C6B-D6C7DFDC589F}" vid="{4A3C46E8-61CC-4603-A589-7422A47A8E4A}"/>
+    </a:ext>
+  </a:extLst>
+</a:theme>
 </file>
--- a/week06/day05/demo/ppt-w06.pptx
+++ b/week06/day05/demo/ppt-w06.pptx
@@ -4755,7 +4755,21 @@
                 <a:latin typeface="Helvetica" panose="020B0604020202020204" pitchFamily="34" charset="0"/>
                 <a:cs typeface="Helvetica" panose="020B0604020202020204" pitchFamily="34" charset="0"/>
               </a:rPr>
-              <a:t>Program seems to be almost OK now (Aces cannot have 1 value yet, and only one pulling method exists)</a:t>
+              <a:t>Program seems to be almost OK now </a:t>
+            </a:r>
+            <a:r>
+              <a:rPr lang="hu-HU" sz="3200">
+                <a:latin typeface="Helvetica" panose="020B0604020202020204" pitchFamily="34" charset="0"/>
+                <a:cs typeface="Helvetica" panose="020B0604020202020204" pitchFamily="34" charset="0"/>
+              </a:rPr>
+              <a:t>(but Aces </a:t>
+            </a:r>
+            <a:r>
+              <a:rPr lang="hu-HU" sz="3200" dirty="0">
+                <a:latin typeface="Helvetica" panose="020B0604020202020204" pitchFamily="34" charset="0"/>
+                <a:cs typeface="Helvetica" panose="020B0604020202020204" pitchFamily="34" charset="0"/>
+              </a:rPr>
+              <a:t>cannot have 1 value yet, and only one pulling method exists)</a:t>
             </a:r>
             <a:endParaRPr lang="en-GB" sz="3200" dirty="0">
               <a:latin typeface="Helvetica" panose="020B0604020202020204" pitchFamily="34" charset="0"/>
@@ -5426,14 +5440,7 @@
                 <a:latin typeface="Helvetica" panose="020B0604020202020204" pitchFamily="34" charset="0"/>
                 <a:cs typeface="Helvetica" panose="020B0604020202020204" pitchFamily="34" charset="0"/>
               </a:rPr>
-              <a:t>- </a:t>
-            </a:r>
-            <a:r>
-              <a:rPr lang="hu-HU" sz="3200">
-                <a:latin typeface="Helvetica" panose="020B0604020202020204" pitchFamily="34" charset="0"/>
-                <a:cs typeface="Helvetica" panose="020B0604020202020204" pitchFamily="34" charset="0"/>
-              </a:rPr>
-              <a:t>more refactoring</a:t>
+              <a:t>- more refactoring</a:t>
             </a:r>
             <a:endParaRPr lang="en-GB" sz="3200" dirty="0">
               <a:latin typeface="Helvetica" panose="020B0604020202020204" pitchFamily="34" charset="0"/>

--- a/week06/day05/demo/ppt-w06.pptx
+++ b/week06/day05/demo/ppt-w06.pptx
@@ -4445,7 +4445,18 @@
                 <a:latin typeface="Helvetica" panose="020B0604020202020204" pitchFamily="34" charset="0"/>
                 <a:cs typeface="Helvetica" panose="020B0604020202020204" pitchFamily="34" charset="0"/>
               </a:rPr>
-              <a:t>LINQ</a:t>
+              <a:t>LINQ (</a:t>
+            </a:r>
+            <a:r>
+              <a:rPr lang="en-GB" dirty="0"/>
+              <a:t>/lɪŋk/</a:t>
+            </a:r>
+            <a:r>
+              <a:rPr lang="hu-HU" dirty="0">
+                <a:latin typeface="Helvetica" panose="020B0604020202020204" pitchFamily="34" charset="0"/>
+                <a:cs typeface="Helvetica" panose="020B0604020202020204" pitchFamily="34" charset="0"/>
+              </a:rPr>
+              <a:t>)</a:t>
             </a:r>
             <a:endParaRPr lang="en-GB" dirty="0">
               <a:latin typeface="Helvetica" panose="020B0604020202020204" pitchFamily="34" charset="0"/>
@@ -4755,21 +4766,7 @@
                 <a:latin typeface="Helvetica" panose="020B0604020202020204" pitchFamily="34" charset="0"/>
                 <a:cs typeface="Helvetica" panose="020B0604020202020204" pitchFamily="34" charset="0"/>
               </a:rPr>
-              <a:t>Program seems to be almost OK now </a:t>
-            </a:r>
-            <a:r>
-              <a:rPr lang="hu-HU" sz="3200">
-                <a:latin typeface="Helvetica" panose="020B0604020202020204" pitchFamily="34" charset="0"/>
-                <a:cs typeface="Helvetica" panose="020B0604020202020204" pitchFamily="34" charset="0"/>
-              </a:rPr>
-              <a:t>(but Aces </a:t>
-            </a:r>
-            <a:r>
-              <a:rPr lang="hu-HU" sz="3200" dirty="0">
-                <a:latin typeface="Helvetica" panose="020B0604020202020204" pitchFamily="34" charset="0"/>
-                <a:cs typeface="Helvetica" panose="020B0604020202020204" pitchFamily="34" charset="0"/>
-              </a:rPr>
-              <a:t>cannot have 1 value yet, and only one pulling method exists)</a:t>
+              <a:t>Program seems to be almost OK now (but Aces cannot have 1 value yet, and only one pulling method exists)</a:t>
             </a:r>
             <a:endParaRPr lang="en-GB" sz="3200" dirty="0">
               <a:latin typeface="Helvetica" panose="020B0604020202020204" pitchFamily="34" charset="0"/>
